--- a/MarketMinds/marketmindz_background.pptx
+++ b/MarketMinds/marketmindz_background.pptx
@@ -2,18 +2,23 @@
 <file path=ppt/presentation.xml><?xml version="1.0" encoding="utf-8"?>
 <p:presentation xmlns:a="http://schemas.openxmlformats.org/drawingml/2006/main" xmlns:r="http://schemas.openxmlformats.org/officeDocument/2006/relationships" xmlns:p="http://schemas.openxmlformats.org/presentationml/2006/main" saveSubsetFonts="1">
   <p:sldMasterIdLst>
-    <p:sldMasterId id="2147483648" r:id="rId1"/>
+    <p:sldMasterId id="2147483684" r:id="rId1"/>
   </p:sldMasterIdLst>
   <p:sldIdLst>
     <p:sldId id="256" r:id="rId2"/>
+    <p:sldId id="260" r:id="rId3"/>
+    <p:sldId id="261" r:id="rId4"/>
+    <p:sldId id="259" r:id="rId5"/>
+    <p:sldId id="257" r:id="rId6"/>
+    <p:sldId id="258" r:id="rId7"/>
   </p:sldIdLst>
   <p:sldSz cx="12192000" cy="6858000"/>
   <p:notesSz cx="6858000" cy="9144000"/>
   <p:defaultTextStyle>
     <a:defPPr>
-      <a:defRPr lang="zh-TW"/>
+      <a:defRPr lang="en-US"/>
     </a:defPPr>
-    <a:lvl1pPr marL="0" algn="l" defTabSz="914400" rtl="0" eaLnBrk="1" latinLnBrk="0" hangingPunct="1">
+    <a:lvl1pPr marL="0" algn="l" defTabSz="457200" rtl="0" eaLnBrk="1" latinLnBrk="0" hangingPunct="1">
       <a:defRPr sz="1800" kern="1200">
         <a:solidFill>
           <a:schemeClr val="tx1"/>
@@ -23,7 +28,7 @@
         <a:cs typeface="+mn-cs"/>
       </a:defRPr>
     </a:lvl1pPr>
-    <a:lvl2pPr marL="457200" algn="l" defTabSz="914400" rtl="0" eaLnBrk="1" latinLnBrk="0" hangingPunct="1">
+    <a:lvl2pPr marL="457200" algn="l" defTabSz="457200" rtl="0" eaLnBrk="1" latinLnBrk="0" hangingPunct="1">
       <a:defRPr sz="1800" kern="1200">
         <a:solidFill>
           <a:schemeClr val="tx1"/>
@@ -33,7 +38,7 @@
         <a:cs typeface="+mn-cs"/>
       </a:defRPr>
     </a:lvl2pPr>
-    <a:lvl3pPr marL="914400" algn="l" defTabSz="914400" rtl="0" eaLnBrk="1" latinLnBrk="0" hangingPunct="1">
+    <a:lvl3pPr marL="914400" algn="l" defTabSz="457200" rtl="0" eaLnBrk="1" latinLnBrk="0" hangingPunct="1">
       <a:defRPr sz="1800" kern="1200">
         <a:solidFill>
           <a:schemeClr val="tx1"/>
@@ -43,7 +48,7 @@
         <a:cs typeface="+mn-cs"/>
       </a:defRPr>
     </a:lvl3pPr>
-    <a:lvl4pPr marL="1371600" algn="l" defTabSz="914400" rtl="0" eaLnBrk="1" latinLnBrk="0" hangingPunct="1">
+    <a:lvl4pPr marL="1371600" algn="l" defTabSz="457200" rtl="0" eaLnBrk="1" latinLnBrk="0" hangingPunct="1">
       <a:defRPr sz="1800" kern="1200">
         <a:solidFill>
           <a:schemeClr val="tx1"/>
@@ -53,7 +58,7 @@
         <a:cs typeface="+mn-cs"/>
       </a:defRPr>
     </a:lvl4pPr>
-    <a:lvl5pPr marL="1828800" algn="l" defTabSz="914400" rtl="0" eaLnBrk="1" latinLnBrk="0" hangingPunct="1">
+    <a:lvl5pPr marL="1828800" algn="l" defTabSz="457200" rtl="0" eaLnBrk="1" latinLnBrk="0" hangingPunct="1">
       <a:defRPr sz="1800" kern="1200">
         <a:solidFill>
           <a:schemeClr val="tx1"/>
@@ -63,7 +68,7 @@
         <a:cs typeface="+mn-cs"/>
       </a:defRPr>
     </a:lvl5pPr>
-    <a:lvl6pPr marL="2286000" algn="l" defTabSz="914400" rtl="0" eaLnBrk="1" latinLnBrk="0" hangingPunct="1">
+    <a:lvl6pPr marL="2286000" algn="l" defTabSz="457200" rtl="0" eaLnBrk="1" latinLnBrk="0" hangingPunct="1">
       <a:defRPr sz="1800" kern="1200">
         <a:solidFill>
           <a:schemeClr val="tx1"/>
@@ -73,7 +78,7 @@
         <a:cs typeface="+mn-cs"/>
       </a:defRPr>
     </a:lvl6pPr>
-    <a:lvl7pPr marL="2743200" algn="l" defTabSz="914400" rtl="0" eaLnBrk="1" latinLnBrk="0" hangingPunct="1">
+    <a:lvl7pPr marL="2743200" algn="l" defTabSz="457200" rtl="0" eaLnBrk="1" latinLnBrk="0" hangingPunct="1">
       <a:defRPr sz="1800" kern="1200">
         <a:solidFill>
           <a:schemeClr val="tx1"/>
@@ -83,7 +88,7 @@
         <a:cs typeface="+mn-cs"/>
       </a:defRPr>
     </a:lvl7pPr>
-    <a:lvl8pPr marL="3200400" algn="l" defTabSz="914400" rtl="0" eaLnBrk="1" latinLnBrk="0" hangingPunct="1">
+    <a:lvl8pPr marL="3200400" algn="l" defTabSz="457200" rtl="0" eaLnBrk="1" latinLnBrk="0" hangingPunct="1">
       <a:defRPr sz="1800" kern="1200">
         <a:solidFill>
           <a:schemeClr val="tx1"/>
@@ -93,7 +98,7 @@
         <a:cs typeface="+mn-cs"/>
       </a:defRPr>
     </a:lvl8pPr>
-    <a:lvl9pPr marL="3657600" algn="l" defTabSz="914400" rtl="0" eaLnBrk="1" latinLnBrk="0" hangingPunct="1">
+    <a:lvl9pPr marL="3657600" algn="l" defTabSz="457200" rtl="0" eaLnBrk="1" latinLnBrk="0" hangingPunct="1">
       <a:defRPr sz="1800" kern="1200">
         <a:solidFill>
           <a:schemeClr val="tx1"/>
@@ -126,13 +131,7 @@
       </p:grpSpPr>
       <p:sp>
         <p:nvSpPr>
-          <p:cNvPr id="2" name="標題 1">
-            <a:extLst>
-              <a:ext uri="{FF2B5EF4-FFF2-40B4-BE49-F238E27FC236}">
-                <a16:creationId xmlns:a16="http://schemas.microsoft.com/office/drawing/2014/main" id="{151819EF-4301-7ECE-AFC1-CE181C4D95F2}"/>
-              </a:ext>
-            </a:extLst>
-          </p:cNvPr>
+          <p:cNvPr id="2" name="Title 1"/>
           <p:cNvSpPr>
             <a:spLocks noGrp="1"/>
           </p:cNvSpPr>
@@ -158,18 +157,13 @@
               <a:rPr lang="zh-TW" altLang="en-US"/>
               <a:t>按一下以編輯母片標題樣式</a:t>
             </a:r>
-          </a:p>
-        </p:txBody>
-      </p:sp>
-      <p:sp>
-        <p:nvSpPr>
-          <p:cNvPr id="3" name="副標題 2">
-            <a:extLst>
-              <a:ext uri="{FF2B5EF4-FFF2-40B4-BE49-F238E27FC236}">
-                <a16:creationId xmlns:a16="http://schemas.microsoft.com/office/drawing/2014/main" id="{FCFA9A98-59CE-3F7C-E9B1-5DC066C1DA41}"/>
-              </a:ext>
-            </a:extLst>
-          </p:cNvPr>
+            <a:endParaRPr lang="en-US" dirty="0"/>
+          </a:p>
+        </p:txBody>
+      </p:sp>
+      <p:sp>
+        <p:nvSpPr>
+          <p:cNvPr id="3" name="Subtitle 2"/>
           <p:cNvSpPr>
             <a:spLocks noGrp="1"/>
           </p:cNvSpPr>
@@ -228,18 +222,13 @@
               <a:rPr lang="zh-TW" altLang="en-US"/>
               <a:t>按一下以編輯母片子標題樣式</a:t>
             </a:r>
-          </a:p>
-        </p:txBody>
-      </p:sp>
-      <p:sp>
-        <p:nvSpPr>
-          <p:cNvPr id="4" name="日期版面配置區 3">
-            <a:extLst>
-              <a:ext uri="{FF2B5EF4-FFF2-40B4-BE49-F238E27FC236}">
-                <a16:creationId xmlns:a16="http://schemas.microsoft.com/office/drawing/2014/main" id="{AC92F6E1-B5A3-B5A7-6465-00572348AD26}"/>
-              </a:ext>
-            </a:extLst>
-          </p:cNvPr>
+            <a:endParaRPr lang="en-US" dirty="0"/>
+          </a:p>
+        </p:txBody>
+      </p:sp>
+      <p:sp>
+        <p:nvSpPr>
+          <p:cNvPr id="4" name="Date Placeholder 3"/>
           <p:cNvSpPr>
             <a:spLocks noGrp="1"/>
           </p:cNvSpPr>
@@ -262,13 +251,7 @@
       </p:sp>
       <p:sp>
         <p:nvSpPr>
-          <p:cNvPr id="5" name="頁尾版面配置區 4">
-            <a:extLst>
-              <a:ext uri="{FF2B5EF4-FFF2-40B4-BE49-F238E27FC236}">
-                <a16:creationId xmlns:a16="http://schemas.microsoft.com/office/drawing/2014/main" id="{7F608099-4406-B808-8D03-D9D06B0CE3E7}"/>
-              </a:ext>
-            </a:extLst>
-          </p:cNvPr>
+          <p:cNvPr id="5" name="Footer Placeholder 4"/>
           <p:cNvSpPr>
             <a:spLocks noGrp="1"/>
           </p:cNvSpPr>
@@ -287,13 +270,7 @@
       </p:sp>
       <p:sp>
         <p:nvSpPr>
-          <p:cNvPr id="6" name="投影片編號版面配置區 5">
-            <a:extLst>
-              <a:ext uri="{FF2B5EF4-FFF2-40B4-BE49-F238E27FC236}">
-                <a16:creationId xmlns:a16="http://schemas.microsoft.com/office/drawing/2014/main" id="{2CA49D05-3D66-ED82-6172-E32B4D0AA544}"/>
-              </a:ext>
-            </a:extLst>
-          </p:cNvPr>
+          <p:cNvPr id="6" name="Slide Number Placeholder 5"/>
           <p:cNvSpPr>
             <a:spLocks noGrp="1"/>
           </p:cNvSpPr>
@@ -317,7 +294,7 @@
     </p:spTree>
     <p:extLst>
       <p:ext uri="{BB962C8B-B14F-4D97-AF65-F5344CB8AC3E}">
-        <p14:creationId xmlns:p14="http://schemas.microsoft.com/office/powerpoint/2010/main" val="2358627161"/>
+        <p14:creationId xmlns:p14="http://schemas.microsoft.com/office/powerpoint/2010/main" val="147849808"/>
       </p:ext>
     </p:extLst>
   </p:cSld>
@@ -346,13 +323,7 @@
       </p:grpSpPr>
       <p:sp>
         <p:nvSpPr>
-          <p:cNvPr id="2" name="標題 1">
-            <a:extLst>
-              <a:ext uri="{FF2B5EF4-FFF2-40B4-BE49-F238E27FC236}">
-                <a16:creationId xmlns:a16="http://schemas.microsoft.com/office/drawing/2014/main" id="{FF385CE2-6633-113D-5D15-BC44FD5E0FE0}"/>
-              </a:ext>
-            </a:extLst>
-          </p:cNvPr>
+          <p:cNvPr id="2" name="Title 1"/>
           <p:cNvSpPr>
             <a:spLocks noGrp="1"/>
           </p:cNvSpPr>
@@ -369,18 +340,13 @@
               <a:rPr lang="zh-TW" altLang="en-US"/>
               <a:t>按一下以編輯母片標題樣式</a:t>
             </a:r>
-          </a:p>
-        </p:txBody>
-      </p:sp>
-      <p:sp>
-        <p:nvSpPr>
-          <p:cNvPr id="3" name="直排文字版面配置區 2">
-            <a:extLst>
-              <a:ext uri="{FF2B5EF4-FFF2-40B4-BE49-F238E27FC236}">
-                <a16:creationId xmlns:a16="http://schemas.microsoft.com/office/drawing/2014/main" id="{C4F55AF6-6DB3-3B36-5D98-B7EF5059F73C}"/>
-              </a:ext>
-            </a:extLst>
-          </p:cNvPr>
+            <a:endParaRPr lang="en-US" dirty="0"/>
+          </a:p>
+        </p:txBody>
+      </p:sp>
+      <p:sp>
+        <p:nvSpPr>
+          <p:cNvPr id="3" name="Vertical Text Placeholder 2"/>
           <p:cNvSpPr>
             <a:spLocks noGrp="1"/>
           </p:cNvSpPr>
@@ -426,18 +392,13 @@
               <a:rPr lang="zh-TW" altLang="en-US"/>
               <a:t>第五層</a:t>
             </a:r>
-          </a:p>
-        </p:txBody>
-      </p:sp>
-      <p:sp>
-        <p:nvSpPr>
-          <p:cNvPr id="4" name="日期版面配置區 3">
-            <a:extLst>
-              <a:ext uri="{FF2B5EF4-FFF2-40B4-BE49-F238E27FC236}">
-                <a16:creationId xmlns:a16="http://schemas.microsoft.com/office/drawing/2014/main" id="{EEBAB1B9-5019-A4E0-81C0-455DF57ECC8C}"/>
-              </a:ext>
-            </a:extLst>
-          </p:cNvPr>
+            <a:endParaRPr lang="en-US" dirty="0"/>
+          </a:p>
+        </p:txBody>
+      </p:sp>
+      <p:sp>
+        <p:nvSpPr>
+          <p:cNvPr id="4" name="Date Placeholder 3"/>
           <p:cNvSpPr>
             <a:spLocks noGrp="1"/>
           </p:cNvSpPr>
@@ -460,13 +421,7 @@
       </p:sp>
       <p:sp>
         <p:nvSpPr>
-          <p:cNvPr id="5" name="頁尾版面配置區 4">
-            <a:extLst>
-              <a:ext uri="{FF2B5EF4-FFF2-40B4-BE49-F238E27FC236}">
-                <a16:creationId xmlns:a16="http://schemas.microsoft.com/office/drawing/2014/main" id="{E3C9B645-5A7A-0F23-F198-354469A6F222}"/>
-              </a:ext>
-            </a:extLst>
-          </p:cNvPr>
+          <p:cNvPr id="5" name="Footer Placeholder 4"/>
           <p:cNvSpPr>
             <a:spLocks noGrp="1"/>
           </p:cNvSpPr>
@@ -485,13 +440,7 @@
       </p:sp>
       <p:sp>
         <p:nvSpPr>
-          <p:cNvPr id="6" name="投影片編號版面配置區 5">
-            <a:extLst>
-              <a:ext uri="{FF2B5EF4-FFF2-40B4-BE49-F238E27FC236}">
-                <a16:creationId xmlns:a16="http://schemas.microsoft.com/office/drawing/2014/main" id="{936E6859-228F-E48E-D439-23DE7698FC76}"/>
-              </a:ext>
-            </a:extLst>
-          </p:cNvPr>
+          <p:cNvPr id="6" name="Slide Number Placeholder 5"/>
           <p:cNvSpPr>
             <a:spLocks noGrp="1"/>
           </p:cNvSpPr>
@@ -515,7 +464,7 @@
     </p:spTree>
     <p:extLst>
       <p:ext uri="{BB962C8B-B14F-4D97-AF65-F5344CB8AC3E}">
-        <p14:creationId xmlns:p14="http://schemas.microsoft.com/office/powerpoint/2010/main" val="1737512976"/>
+        <p14:creationId xmlns:p14="http://schemas.microsoft.com/office/powerpoint/2010/main" val="2632627574"/>
       </p:ext>
     </p:extLst>
   </p:cSld>
@@ -544,13 +493,7 @@
       </p:grpSpPr>
       <p:sp>
         <p:nvSpPr>
-          <p:cNvPr id="2" name="直排標題 1">
-            <a:extLst>
-              <a:ext uri="{FF2B5EF4-FFF2-40B4-BE49-F238E27FC236}">
-                <a16:creationId xmlns:a16="http://schemas.microsoft.com/office/drawing/2014/main" id="{28F9F3E7-C596-AC8C-A8FD-6BED250D10BF}"/>
-              </a:ext>
-            </a:extLst>
-          </p:cNvPr>
+          <p:cNvPr id="2" name="Vertical Title 1"/>
           <p:cNvSpPr>
             <a:spLocks noGrp="1"/>
           </p:cNvSpPr>
@@ -572,18 +515,13 @@
               <a:rPr lang="zh-TW" altLang="en-US"/>
               <a:t>按一下以編輯母片標題樣式</a:t>
             </a:r>
-          </a:p>
-        </p:txBody>
-      </p:sp>
-      <p:sp>
-        <p:nvSpPr>
-          <p:cNvPr id="3" name="直排文字版面配置區 2">
-            <a:extLst>
-              <a:ext uri="{FF2B5EF4-FFF2-40B4-BE49-F238E27FC236}">
-                <a16:creationId xmlns:a16="http://schemas.microsoft.com/office/drawing/2014/main" id="{2518D4BA-A91A-CF48-FB91-8937D34C68C5}"/>
-              </a:ext>
-            </a:extLst>
-          </p:cNvPr>
+            <a:endParaRPr lang="en-US" dirty="0"/>
+          </a:p>
+        </p:txBody>
+      </p:sp>
+      <p:sp>
+        <p:nvSpPr>
+          <p:cNvPr id="3" name="Vertical Text Placeholder 2"/>
           <p:cNvSpPr>
             <a:spLocks noGrp="1"/>
           </p:cNvSpPr>
@@ -634,18 +572,13 @@
               <a:rPr lang="zh-TW" altLang="en-US"/>
               <a:t>第五層</a:t>
             </a:r>
-          </a:p>
-        </p:txBody>
-      </p:sp>
-      <p:sp>
-        <p:nvSpPr>
-          <p:cNvPr id="4" name="日期版面配置區 3">
-            <a:extLst>
-              <a:ext uri="{FF2B5EF4-FFF2-40B4-BE49-F238E27FC236}">
-                <a16:creationId xmlns:a16="http://schemas.microsoft.com/office/drawing/2014/main" id="{77932861-89D9-04EF-3082-5745A74AC1DC}"/>
-              </a:ext>
-            </a:extLst>
-          </p:cNvPr>
+            <a:endParaRPr lang="en-US" dirty="0"/>
+          </a:p>
+        </p:txBody>
+      </p:sp>
+      <p:sp>
+        <p:nvSpPr>
+          <p:cNvPr id="4" name="Date Placeholder 3"/>
           <p:cNvSpPr>
             <a:spLocks noGrp="1"/>
           </p:cNvSpPr>
@@ -668,13 +601,7 @@
       </p:sp>
       <p:sp>
         <p:nvSpPr>
-          <p:cNvPr id="5" name="頁尾版面配置區 4">
-            <a:extLst>
-              <a:ext uri="{FF2B5EF4-FFF2-40B4-BE49-F238E27FC236}">
-                <a16:creationId xmlns:a16="http://schemas.microsoft.com/office/drawing/2014/main" id="{BB457F92-ECFA-1B7F-7352-752AECF367BB}"/>
-              </a:ext>
-            </a:extLst>
-          </p:cNvPr>
+          <p:cNvPr id="5" name="Footer Placeholder 4"/>
           <p:cNvSpPr>
             <a:spLocks noGrp="1"/>
           </p:cNvSpPr>
@@ -693,13 +620,7 @@
       </p:sp>
       <p:sp>
         <p:nvSpPr>
-          <p:cNvPr id="6" name="投影片編號版面配置區 5">
-            <a:extLst>
-              <a:ext uri="{FF2B5EF4-FFF2-40B4-BE49-F238E27FC236}">
-                <a16:creationId xmlns:a16="http://schemas.microsoft.com/office/drawing/2014/main" id="{689678F8-0E25-C018-9A6F-381781114565}"/>
-              </a:ext>
-            </a:extLst>
-          </p:cNvPr>
+          <p:cNvPr id="6" name="Slide Number Placeholder 5"/>
           <p:cNvSpPr>
             <a:spLocks noGrp="1"/>
           </p:cNvSpPr>
@@ -723,7 +644,7 @@
     </p:spTree>
     <p:extLst>
       <p:ext uri="{BB962C8B-B14F-4D97-AF65-F5344CB8AC3E}">
-        <p14:creationId xmlns:p14="http://schemas.microsoft.com/office/powerpoint/2010/main" val="3850420077"/>
+        <p14:creationId xmlns:p14="http://schemas.microsoft.com/office/powerpoint/2010/main" val="176773071"/>
       </p:ext>
     </p:extLst>
   </p:cSld>
@@ -752,13 +673,7 @@
       </p:grpSpPr>
       <p:sp>
         <p:nvSpPr>
-          <p:cNvPr id="2" name="標題 1">
-            <a:extLst>
-              <a:ext uri="{FF2B5EF4-FFF2-40B4-BE49-F238E27FC236}">
-                <a16:creationId xmlns:a16="http://schemas.microsoft.com/office/drawing/2014/main" id="{08916008-8DD0-EB5C-B613-20AFB67FA2AF}"/>
-              </a:ext>
-            </a:extLst>
-          </p:cNvPr>
+          <p:cNvPr id="2" name="Title 1"/>
           <p:cNvSpPr>
             <a:spLocks noGrp="1"/>
           </p:cNvSpPr>
@@ -775,18 +690,13 @@
               <a:rPr lang="zh-TW" altLang="en-US"/>
               <a:t>按一下以編輯母片標題樣式</a:t>
             </a:r>
-          </a:p>
-        </p:txBody>
-      </p:sp>
-      <p:sp>
-        <p:nvSpPr>
-          <p:cNvPr id="3" name="內容版面配置區 2">
-            <a:extLst>
-              <a:ext uri="{FF2B5EF4-FFF2-40B4-BE49-F238E27FC236}">
-                <a16:creationId xmlns:a16="http://schemas.microsoft.com/office/drawing/2014/main" id="{D047C04E-9FDB-34E1-25BC-7BF0A4F40A44}"/>
-              </a:ext>
-            </a:extLst>
-          </p:cNvPr>
+            <a:endParaRPr lang="en-US" dirty="0"/>
+          </a:p>
+        </p:txBody>
+      </p:sp>
+      <p:sp>
+        <p:nvSpPr>
+          <p:cNvPr id="3" name="Content Placeholder 2"/>
           <p:cNvSpPr>
             <a:spLocks noGrp="1"/>
           </p:cNvSpPr>
@@ -832,18 +742,13 @@
               <a:rPr lang="zh-TW" altLang="en-US"/>
               <a:t>第五層</a:t>
             </a:r>
-          </a:p>
-        </p:txBody>
-      </p:sp>
-      <p:sp>
-        <p:nvSpPr>
-          <p:cNvPr id="4" name="日期版面配置區 3">
-            <a:extLst>
-              <a:ext uri="{FF2B5EF4-FFF2-40B4-BE49-F238E27FC236}">
-                <a16:creationId xmlns:a16="http://schemas.microsoft.com/office/drawing/2014/main" id="{61780278-757E-9A07-C65E-9BC254EDD5E5}"/>
-              </a:ext>
-            </a:extLst>
-          </p:cNvPr>
+            <a:endParaRPr lang="en-US" dirty="0"/>
+          </a:p>
+        </p:txBody>
+      </p:sp>
+      <p:sp>
+        <p:nvSpPr>
+          <p:cNvPr id="4" name="Date Placeholder 3"/>
           <p:cNvSpPr>
             <a:spLocks noGrp="1"/>
           </p:cNvSpPr>
@@ -866,13 +771,7 @@
       </p:sp>
       <p:sp>
         <p:nvSpPr>
-          <p:cNvPr id="5" name="頁尾版面配置區 4">
-            <a:extLst>
-              <a:ext uri="{FF2B5EF4-FFF2-40B4-BE49-F238E27FC236}">
-                <a16:creationId xmlns:a16="http://schemas.microsoft.com/office/drawing/2014/main" id="{CA816337-C19E-28E9-AB3D-F44CC9F33596}"/>
-              </a:ext>
-            </a:extLst>
-          </p:cNvPr>
+          <p:cNvPr id="5" name="Footer Placeholder 4"/>
           <p:cNvSpPr>
             <a:spLocks noGrp="1"/>
           </p:cNvSpPr>
@@ -891,13 +790,7 @@
       </p:sp>
       <p:sp>
         <p:nvSpPr>
-          <p:cNvPr id="6" name="投影片編號版面配置區 5">
-            <a:extLst>
-              <a:ext uri="{FF2B5EF4-FFF2-40B4-BE49-F238E27FC236}">
-                <a16:creationId xmlns:a16="http://schemas.microsoft.com/office/drawing/2014/main" id="{C0401ACA-B77B-B162-77BB-1A6A7F640AC3}"/>
-              </a:ext>
-            </a:extLst>
-          </p:cNvPr>
+          <p:cNvPr id="6" name="Slide Number Placeholder 5"/>
           <p:cNvSpPr>
             <a:spLocks noGrp="1"/>
           </p:cNvSpPr>
@@ -921,7 +814,7 @@
     </p:spTree>
     <p:extLst>
       <p:ext uri="{BB962C8B-B14F-4D97-AF65-F5344CB8AC3E}">
-        <p14:creationId xmlns:p14="http://schemas.microsoft.com/office/powerpoint/2010/main" val="76807542"/>
+        <p14:creationId xmlns:p14="http://schemas.microsoft.com/office/powerpoint/2010/main" val="1521252254"/>
       </p:ext>
     </p:extLst>
   </p:cSld>
@@ -950,13 +843,7 @@
       </p:grpSpPr>
       <p:sp>
         <p:nvSpPr>
-          <p:cNvPr id="2" name="標題 1">
-            <a:extLst>
-              <a:ext uri="{FF2B5EF4-FFF2-40B4-BE49-F238E27FC236}">
-                <a16:creationId xmlns:a16="http://schemas.microsoft.com/office/drawing/2014/main" id="{3D25B870-5012-60DA-891C-0E866CFA5415}"/>
-              </a:ext>
-            </a:extLst>
-          </p:cNvPr>
+          <p:cNvPr id="2" name="Title 1"/>
           <p:cNvSpPr>
             <a:spLocks noGrp="1"/>
           </p:cNvSpPr>
@@ -982,18 +869,13 @@
               <a:rPr lang="zh-TW" altLang="en-US"/>
               <a:t>按一下以編輯母片標題樣式</a:t>
             </a:r>
-          </a:p>
-        </p:txBody>
-      </p:sp>
-      <p:sp>
-        <p:nvSpPr>
-          <p:cNvPr id="3" name="文字版面配置區 2">
-            <a:extLst>
-              <a:ext uri="{FF2B5EF4-FFF2-40B4-BE49-F238E27FC236}">
-                <a16:creationId xmlns:a16="http://schemas.microsoft.com/office/drawing/2014/main" id="{4D53BEC3-09F8-034B-F898-3A215ECDC5E4}"/>
-              </a:ext>
-            </a:extLst>
-          </p:cNvPr>
+            <a:endParaRPr lang="en-US" dirty="0"/>
+          </a:p>
+        </p:txBody>
+      </p:sp>
+      <p:sp>
+        <p:nvSpPr>
+          <p:cNvPr id="3" name="Text Placeholder 2"/>
           <p:cNvSpPr>
             <a:spLocks noGrp="1"/>
           </p:cNvSpPr>
@@ -1112,13 +994,7 @@
       </p:sp>
       <p:sp>
         <p:nvSpPr>
-          <p:cNvPr id="4" name="日期版面配置區 3">
-            <a:extLst>
-              <a:ext uri="{FF2B5EF4-FFF2-40B4-BE49-F238E27FC236}">
-                <a16:creationId xmlns:a16="http://schemas.microsoft.com/office/drawing/2014/main" id="{F7CE779A-2E98-B1F9-B8FB-B32B42EA1D31}"/>
-              </a:ext>
-            </a:extLst>
-          </p:cNvPr>
+          <p:cNvPr id="4" name="Date Placeholder 3"/>
           <p:cNvSpPr>
             <a:spLocks noGrp="1"/>
           </p:cNvSpPr>
@@ -1141,13 +1017,7 @@
       </p:sp>
       <p:sp>
         <p:nvSpPr>
-          <p:cNvPr id="5" name="頁尾版面配置區 4">
-            <a:extLst>
-              <a:ext uri="{FF2B5EF4-FFF2-40B4-BE49-F238E27FC236}">
-                <a16:creationId xmlns:a16="http://schemas.microsoft.com/office/drawing/2014/main" id="{A016D966-C6B1-8272-10B4-7A1A31C9DF42}"/>
-              </a:ext>
-            </a:extLst>
-          </p:cNvPr>
+          <p:cNvPr id="5" name="Footer Placeholder 4"/>
           <p:cNvSpPr>
             <a:spLocks noGrp="1"/>
           </p:cNvSpPr>
@@ -1166,13 +1036,7 @@
       </p:sp>
       <p:sp>
         <p:nvSpPr>
-          <p:cNvPr id="6" name="投影片編號版面配置區 5">
-            <a:extLst>
-              <a:ext uri="{FF2B5EF4-FFF2-40B4-BE49-F238E27FC236}">
-                <a16:creationId xmlns:a16="http://schemas.microsoft.com/office/drawing/2014/main" id="{233A91CD-BD4D-B1FA-F375-9E0DC6CEED51}"/>
-              </a:ext>
-            </a:extLst>
-          </p:cNvPr>
+          <p:cNvPr id="6" name="Slide Number Placeholder 5"/>
           <p:cNvSpPr>
             <a:spLocks noGrp="1"/>
           </p:cNvSpPr>
@@ -1196,7 +1060,7 @@
     </p:spTree>
     <p:extLst>
       <p:ext uri="{BB962C8B-B14F-4D97-AF65-F5344CB8AC3E}">
-        <p14:creationId xmlns:p14="http://schemas.microsoft.com/office/powerpoint/2010/main" val="1037723001"/>
+        <p14:creationId xmlns:p14="http://schemas.microsoft.com/office/powerpoint/2010/main" val="2452257634"/>
       </p:ext>
     </p:extLst>
   </p:cSld>
@@ -1225,13 +1089,7 @@
       </p:grpSpPr>
       <p:sp>
         <p:nvSpPr>
-          <p:cNvPr id="2" name="標題 1">
-            <a:extLst>
-              <a:ext uri="{FF2B5EF4-FFF2-40B4-BE49-F238E27FC236}">
-                <a16:creationId xmlns:a16="http://schemas.microsoft.com/office/drawing/2014/main" id="{353FD52A-9D63-0C7B-0D37-4C93FCA5A6F1}"/>
-              </a:ext>
-            </a:extLst>
-          </p:cNvPr>
+          <p:cNvPr id="2" name="Title 1"/>
           <p:cNvSpPr>
             <a:spLocks noGrp="1"/>
           </p:cNvSpPr>
@@ -1248,18 +1106,13 @@
               <a:rPr lang="zh-TW" altLang="en-US"/>
               <a:t>按一下以編輯母片標題樣式</a:t>
             </a:r>
-          </a:p>
-        </p:txBody>
-      </p:sp>
-      <p:sp>
-        <p:nvSpPr>
-          <p:cNvPr id="3" name="內容版面配置區 2">
-            <a:extLst>
-              <a:ext uri="{FF2B5EF4-FFF2-40B4-BE49-F238E27FC236}">
-                <a16:creationId xmlns:a16="http://schemas.microsoft.com/office/drawing/2014/main" id="{AC7E4A28-A213-68ED-344A-E56FF544AA71}"/>
-              </a:ext>
-            </a:extLst>
-          </p:cNvPr>
+            <a:endParaRPr lang="en-US" dirty="0"/>
+          </a:p>
+        </p:txBody>
+      </p:sp>
+      <p:sp>
+        <p:nvSpPr>
+          <p:cNvPr id="3" name="Content Placeholder 2"/>
           <p:cNvSpPr>
             <a:spLocks noGrp="1"/>
           </p:cNvSpPr>
@@ -1310,18 +1163,13 @@
               <a:rPr lang="zh-TW" altLang="en-US"/>
               <a:t>第五層</a:t>
             </a:r>
-          </a:p>
-        </p:txBody>
-      </p:sp>
-      <p:sp>
-        <p:nvSpPr>
-          <p:cNvPr id="4" name="內容版面配置區 3">
-            <a:extLst>
-              <a:ext uri="{FF2B5EF4-FFF2-40B4-BE49-F238E27FC236}">
-                <a16:creationId xmlns:a16="http://schemas.microsoft.com/office/drawing/2014/main" id="{F3FC9E42-0FF8-A446-CBB1-A7A7F62CB529}"/>
-              </a:ext>
-            </a:extLst>
-          </p:cNvPr>
+            <a:endParaRPr lang="en-US" dirty="0"/>
+          </a:p>
+        </p:txBody>
+      </p:sp>
+      <p:sp>
+        <p:nvSpPr>
+          <p:cNvPr id="4" name="Content Placeholder 3"/>
           <p:cNvSpPr>
             <a:spLocks noGrp="1"/>
           </p:cNvSpPr>
@@ -1372,18 +1220,13 @@
               <a:rPr lang="zh-TW" altLang="en-US"/>
               <a:t>第五層</a:t>
             </a:r>
-          </a:p>
-        </p:txBody>
-      </p:sp>
-      <p:sp>
-        <p:nvSpPr>
-          <p:cNvPr id="5" name="日期版面配置區 4">
-            <a:extLst>
-              <a:ext uri="{FF2B5EF4-FFF2-40B4-BE49-F238E27FC236}">
-                <a16:creationId xmlns:a16="http://schemas.microsoft.com/office/drawing/2014/main" id="{4EE7E78E-0285-859E-5723-B85EBBD2BB31}"/>
-              </a:ext>
-            </a:extLst>
-          </p:cNvPr>
+            <a:endParaRPr lang="en-US" dirty="0"/>
+          </a:p>
+        </p:txBody>
+      </p:sp>
+      <p:sp>
+        <p:nvSpPr>
+          <p:cNvPr id="5" name="Date Placeholder 4"/>
           <p:cNvSpPr>
             <a:spLocks noGrp="1"/>
           </p:cNvSpPr>
@@ -1406,13 +1249,7 @@
       </p:sp>
       <p:sp>
         <p:nvSpPr>
-          <p:cNvPr id="6" name="頁尾版面配置區 5">
-            <a:extLst>
-              <a:ext uri="{FF2B5EF4-FFF2-40B4-BE49-F238E27FC236}">
-                <a16:creationId xmlns:a16="http://schemas.microsoft.com/office/drawing/2014/main" id="{9FDD6535-E793-6126-C246-1CA47B463451}"/>
-              </a:ext>
-            </a:extLst>
-          </p:cNvPr>
+          <p:cNvPr id="6" name="Footer Placeholder 5"/>
           <p:cNvSpPr>
             <a:spLocks noGrp="1"/>
           </p:cNvSpPr>
@@ -1431,13 +1268,7 @@
       </p:sp>
       <p:sp>
         <p:nvSpPr>
-          <p:cNvPr id="7" name="投影片編號版面配置區 6">
-            <a:extLst>
-              <a:ext uri="{FF2B5EF4-FFF2-40B4-BE49-F238E27FC236}">
-                <a16:creationId xmlns:a16="http://schemas.microsoft.com/office/drawing/2014/main" id="{11C71052-857B-CDFF-1D68-D2A651F7FA66}"/>
-              </a:ext>
-            </a:extLst>
-          </p:cNvPr>
+          <p:cNvPr id="7" name="Slide Number Placeholder 6"/>
           <p:cNvSpPr>
             <a:spLocks noGrp="1"/>
           </p:cNvSpPr>
@@ -1461,7 +1292,7 @@
     </p:spTree>
     <p:extLst>
       <p:ext uri="{BB962C8B-B14F-4D97-AF65-F5344CB8AC3E}">
-        <p14:creationId xmlns:p14="http://schemas.microsoft.com/office/powerpoint/2010/main" val="248466542"/>
+        <p14:creationId xmlns:p14="http://schemas.microsoft.com/office/powerpoint/2010/main" val="316267999"/>
       </p:ext>
     </p:extLst>
   </p:cSld>
@@ -1490,13 +1321,7 @@
       </p:grpSpPr>
       <p:sp>
         <p:nvSpPr>
-          <p:cNvPr id="2" name="標題 1">
-            <a:extLst>
-              <a:ext uri="{FF2B5EF4-FFF2-40B4-BE49-F238E27FC236}">
-                <a16:creationId xmlns:a16="http://schemas.microsoft.com/office/drawing/2014/main" id="{1E2E8FDE-2D97-E9B9-140B-D1C8EEEE280C}"/>
-              </a:ext>
-            </a:extLst>
-          </p:cNvPr>
+          <p:cNvPr id="2" name="Title 1"/>
           <p:cNvSpPr>
             <a:spLocks noGrp="1"/>
           </p:cNvSpPr>
@@ -1518,18 +1343,13 @@
               <a:rPr lang="zh-TW" altLang="en-US"/>
               <a:t>按一下以編輯母片標題樣式</a:t>
             </a:r>
-          </a:p>
-        </p:txBody>
-      </p:sp>
-      <p:sp>
-        <p:nvSpPr>
-          <p:cNvPr id="3" name="文字版面配置區 2">
-            <a:extLst>
-              <a:ext uri="{FF2B5EF4-FFF2-40B4-BE49-F238E27FC236}">
-                <a16:creationId xmlns:a16="http://schemas.microsoft.com/office/drawing/2014/main" id="{43F09CF4-65D0-AD39-99C8-994B2BE56880}"/>
-              </a:ext>
-            </a:extLst>
-          </p:cNvPr>
+            <a:endParaRPr lang="en-US" dirty="0"/>
+          </a:p>
+        </p:txBody>
+      </p:sp>
+      <p:sp>
+        <p:nvSpPr>
+          <p:cNvPr id="3" name="Text Placeholder 2"/>
           <p:cNvSpPr>
             <a:spLocks noGrp="1"/>
           </p:cNvSpPr>
@@ -1594,13 +1414,7 @@
       </p:sp>
       <p:sp>
         <p:nvSpPr>
-          <p:cNvPr id="4" name="內容版面配置區 3">
-            <a:extLst>
-              <a:ext uri="{FF2B5EF4-FFF2-40B4-BE49-F238E27FC236}">
-                <a16:creationId xmlns:a16="http://schemas.microsoft.com/office/drawing/2014/main" id="{9622AC63-68D1-FB44-C4E7-1A861BB1A11A}"/>
-              </a:ext>
-            </a:extLst>
-          </p:cNvPr>
+          <p:cNvPr id="4" name="Content Placeholder 3"/>
           <p:cNvSpPr>
             <a:spLocks noGrp="1"/>
           </p:cNvSpPr>
@@ -1651,18 +1465,13 @@
               <a:rPr lang="zh-TW" altLang="en-US"/>
               <a:t>第五層</a:t>
             </a:r>
-          </a:p>
-        </p:txBody>
-      </p:sp>
-      <p:sp>
-        <p:nvSpPr>
-          <p:cNvPr id="5" name="文字版面配置區 4">
-            <a:extLst>
-              <a:ext uri="{FF2B5EF4-FFF2-40B4-BE49-F238E27FC236}">
-                <a16:creationId xmlns:a16="http://schemas.microsoft.com/office/drawing/2014/main" id="{9E1F90C1-601E-2F3C-ABC4-78ED8CCC7180}"/>
-              </a:ext>
-            </a:extLst>
-          </p:cNvPr>
+            <a:endParaRPr lang="en-US" dirty="0"/>
+          </a:p>
+        </p:txBody>
+      </p:sp>
+      <p:sp>
+        <p:nvSpPr>
+          <p:cNvPr id="5" name="Text Placeholder 4"/>
           <p:cNvSpPr>
             <a:spLocks noGrp="1"/>
           </p:cNvSpPr>
@@ -1727,13 +1536,7 @@
       </p:sp>
       <p:sp>
         <p:nvSpPr>
-          <p:cNvPr id="6" name="內容版面配置區 5">
-            <a:extLst>
-              <a:ext uri="{FF2B5EF4-FFF2-40B4-BE49-F238E27FC236}">
-                <a16:creationId xmlns:a16="http://schemas.microsoft.com/office/drawing/2014/main" id="{767A4BDB-0706-0849-220C-3ED46C14343C}"/>
-              </a:ext>
-            </a:extLst>
-          </p:cNvPr>
+          <p:cNvPr id="6" name="Content Placeholder 5"/>
           <p:cNvSpPr>
             <a:spLocks noGrp="1"/>
           </p:cNvSpPr>
@@ -1784,18 +1587,13 @@
               <a:rPr lang="zh-TW" altLang="en-US"/>
               <a:t>第五層</a:t>
             </a:r>
-          </a:p>
-        </p:txBody>
-      </p:sp>
-      <p:sp>
-        <p:nvSpPr>
-          <p:cNvPr id="7" name="日期版面配置區 6">
-            <a:extLst>
-              <a:ext uri="{FF2B5EF4-FFF2-40B4-BE49-F238E27FC236}">
-                <a16:creationId xmlns:a16="http://schemas.microsoft.com/office/drawing/2014/main" id="{9735F910-B967-A57F-FAF0-8CF59C50C2B2}"/>
-              </a:ext>
-            </a:extLst>
-          </p:cNvPr>
+            <a:endParaRPr lang="en-US" dirty="0"/>
+          </a:p>
+        </p:txBody>
+      </p:sp>
+      <p:sp>
+        <p:nvSpPr>
+          <p:cNvPr id="7" name="Date Placeholder 6"/>
           <p:cNvSpPr>
             <a:spLocks noGrp="1"/>
           </p:cNvSpPr>
@@ -1818,13 +1616,7 @@
       </p:sp>
       <p:sp>
         <p:nvSpPr>
-          <p:cNvPr id="8" name="頁尾版面配置區 7">
-            <a:extLst>
-              <a:ext uri="{FF2B5EF4-FFF2-40B4-BE49-F238E27FC236}">
-                <a16:creationId xmlns:a16="http://schemas.microsoft.com/office/drawing/2014/main" id="{555241F3-A8DC-72A5-964C-50A72884FA79}"/>
-              </a:ext>
-            </a:extLst>
-          </p:cNvPr>
+          <p:cNvPr id="8" name="Footer Placeholder 7"/>
           <p:cNvSpPr>
             <a:spLocks noGrp="1"/>
           </p:cNvSpPr>
@@ -1843,13 +1635,7 @@
       </p:sp>
       <p:sp>
         <p:nvSpPr>
-          <p:cNvPr id="9" name="投影片編號版面配置區 8">
-            <a:extLst>
-              <a:ext uri="{FF2B5EF4-FFF2-40B4-BE49-F238E27FC236}">
-                <a16:creationId xmlns:a16="http://schemas.microsoft.com/office/drawing/2014/main" id="{615654A4-CA15-5CD9-6E40-27FD11763DB4}"/>
-              </a:ext>
-            </a:extLst>
-          </p:cNvPr>
+          <p:cNvPr id="9" name="Slide Number Placeholder 8"/>
           <p:cNvSpPr>
             <a:spLocks noGrp="1"/>
           </p:cNvSpPr>
@@ -1873,7 +1659,7 @@
     </p:spTree>
     <p:extLst>
       <p:ext uri="{BB962C8B-B14F-4D97-AF65-F5344CB8AC3E}">
-        <p14:creationId xmlns:p14="http://schemas.microsoft.com/office/powerpoint/2010/main" val="429015621"/>
+        <p14:creationId xmlns:p14="http://schemas.microsoft.com/office/powerpoint/2010/main" val="3389487205"/>
       </p:ext>
     </p:extLst>
   </p:cSld>
@@ -1902,13 +1688,7 @@
       </p:grpSpPr>
       <p:sp>
         <p:nvSpPr>
-          <p:cNvPr id="2" name="標題 1">
-            <a:extLst>
-              <a:ext uri="{FF2B5EF4-FFF2-40B4-BE49-F238E27FC236}">
-                <a16:creationId xmlns:a16="http://schemas.microsoft.com/office/drawing/2014/main" id="{7A56F125-6C39-ACE4-17E6-2945FABF0955}"/>
-              </a:ext>
-            </a:extLst>
-          </p:cNvPr>
+          <p:cNvPr id="2" name="Title 1"/>
           <p:cNvSpPr>
             <a:spLocks noGrp="1"/>
           </p:cNvSpPr>
@@ -1925,18 +1705,13 @@
               <a:rPr lang="zh-TW" altLang="en-US"/>
               <a:t>按一下以編輯母片標題樣式</a:t>
             </a:r>
-          </a:p>
-        </p:txBody>
-      </p:sp>
-      <p:sp>
-        <p:nvSpPr>
-          <p:cNvPr id="3" name="日期版面配置區 2">
-            <a:extLst>
-              <a:ext uri="{FF2B5EF4-FFF2-40B4-BE49-F238E27FC236}">
-                <a16:creationId xmlns:a16="http://schemas.microsoft.com/office/drawing/2014/main" id="{2F530D45-CF7C-6FDF-BAB7-55FA9EB10C76}"/>
-              </a:ext>
-            </a:extLst>
-          </p:cNvPr>
+            <a:endParaRPr lang="en-US" dirty="0"/>
+          </a:p>
+        </p:txBody>
+      </p:sp>
+      <p:sp>
+        <p:nvSpPr>
+          <p:cNvPr id="3" name="Date Placeholder 2"/>
           <p:cNvSpPr>
             <a:spLocks noGrp="1"/>
           </p:cNvSpPr>
@@ -1959,13 +1734,7 @@
       </p:sp>
       <p:sp>
         <p:nvSpPr>
-          <p:cNvPr id="4" name="頁尾版面配置區 3">
-            <a:extLst>
-              <a:ext uri="{FF2B5EF4-FFF2-40B4-BE49-F238E27FC236}">
-                <a16:creationId xmlns:a16="http://schemas.microsoft.com/office/drawing/2014/main" id="{000C89B7-AB85-EC5F-564C-C1F972D9B69A}"/>
-              </a:ext>
-            </a:extLst>
-          </p:cNvPr>
+          <p:cNvPr id="4" name="Footer Placeholder 3"/>
           <p:cNvSpPr>
             <a:spLocks noGrp="1"/>
           </p:cNvSpPr>
@@ -1984,13 +1753,7 @@
       </p:sp>
       <p:sp>
         <p:nvSpPr>
-          <p:cNvPr id="5" name="投影片編號版面配置區 4">
-            <a:extLst>
-              <a:ext uri="{FF2B5EF4-FFF2-40B4-BE49-F238E27FC236}">
-                <a16:creationId xmlns:a16="http://schemas.microsoft.com/office/drawing/2014/main" id="{F632551A-C737-3C0B-A1D8-165C65381378}"/>
-              </a:ext>
-            </a:extLst>
-          </p:cNvPr>
+          <p:cNvPr id="5" name="Slide Number Placeholder 4"/>
           <p:cNvSpPr>
             <a:spLocks noGrp="1"/>
           </p:cNvSpPr>
@@ -2014,7 +1777,7 @@
     </p:spTree>
     <p:extLst>
       <p:ext uri="{BB962C8B-B14F-4D97-AF65-F5344CB8AC3E}">
-        <p14:creationId xmlns:p14="http://schemas.microsoft.com/office/powerpoint/2010/main" val="1395643232"/>
+        <p14:creationId xmlns:p14="http://schemas.microsoft.com/office/powerpoint/2010/main" val="3783397377"/>
       </p:ext>
     </p:extLst>
   </p:cSld>
@@ -2043,13 +1806,7 @@
       </p:grpSpPr>
       <p:sp>
         <p:nvSpPr>
-          <p:cNvPr id="2" name="日期版面配置區 1">
-            <a:extLst>
-              <a:ext uri="{FF2B5EF4-FFF2-40B4-BE49-F238E27FC236}">
-                <a16:creationId xmlns:a16="http://schemas.microsoft.com/office/drawing/2014/main" id="{BE89182F-AD07-46DC-D529-DA01A96C7771}"/>
-              </a:ext>
-            </a:extLst>
-          </p:cNvPr>
+          <p:cNvPr id="2" name="Date Placeholder 1"/>
           <p:cNvSpPr>
             <a:spLocks noGrp="1"/>
           </p:cNvSpPr>
@@ -2072,13 +1829,7 @@
       </p:sp>
       <p:sp>
         <p:nvSpPr>
-          <p:cNvPr id="3" name="頁尾版面配置區 2">
-            <a:extLst>
-              <a:ext uri="{FF2B5EF4-FFF2-40B4-BE49-F238E27FC236}">
-                <a16:creationId xmlns:a16="http://schemas.microsoft.com/office/drawing/2014/main" id="{A952D206-CB30-114A-DDD6-BB6057B06384}"/>
-              </a:ext>
-            </a:extLst>
-          </p:cNvPr>
+          <p:cNvPr id="3" name="Footer Placeholder 2"/>
           <p:cNvSpPr>
             <a:spLocks noGrp="1"/>
           </p:cNvSpPr>
@@ -2097,13 +1848,7 @@
       </p:sp>
       <p:sp>
         <p:nvSpPr>
-          <p:cNvPr id="4" name="投影片編號版面配置區 3">
-            <a:extLst>
-              <a:ext uri="{FF2B5EF4-FFF2-40B4-BE49-F238E27FC236}">
-                <a16:creationId xmlns:a16="http://schemas.microsoft.com/office/drawing/2014/main" id="{B718A653-2C6C-8C74-EA45-FAE07087C95A}"/>
-              </a:ext>
-            </a:extLst>
-          </p:cNvPr>
+          <p:cNvPr id="4" name="Slide Number Placeholder 3"/>
           <p:cNvSpPr>
             <a:spLocks noGrp="1"/>
           </p:cNvSpPr>
@@ -2127,7 +1872,7 @@
     </p:spTree>
     <p:extLst>
       <p:ext uri="{BB962C8B-B14F-4D97-AF65-F5344CB8AC3E}">
-        <p14:creationId xmlns:p14="http://schemas.microsoft.com/office/powerpoint/2010/main" val="2168812545"/>
+        <p14:creationId xmlns:p14="http://schemas.microsoft.com/office/powerpoint/2010/main" val="2483398305"/>
       </p:ext>
     </p:extLst>
   </p:cSld>
@@ -2156,13 +1901,7 @@
       </p:grpSpPr>
       <p:sp>
         <p:nvSpPr>
-          <p:cNvPr id="2" name="標題 1">
-            <a:extLst>
-              <a:ext uri="{FF2B5EF4-FFF2-40B4-BE49-F238E27FC236}">
-                <a16:creationId xmlns:a16="http://schemas.microsoft.com/office/drawing/2014/main" id="{49BE80FF-B1FA-1596-DF6E-25D66515E6A7}"/>
-              </a:ext>
-            </a:extLst>
-          </p:cNvPr>
+          <p:cNvPr id="2" name="Title 1"/>
           <p:cNvSpPr>
             <a:spLocks noGrp="1"/>
           </p:cNvSpPr>
@@ -2188,18 +1927,13 @@
               <a:rPr lang="zh-TW" altLang="en-US"/>
               <a:t>按一下以編輯母片標題樣式</a:t>
             </a:r>
-          </a:p>
-        </p:txBody>
-      </p:sp>
-      <p:sp>
-        <p:nvSpPr>
-          <p:cNvPr id="3" name="內容版面配置區 2">
-            <a:extLst>
-              <a:ext uri="{FF2B5EF4-FFF2-40B4-BE49-F238E27FC236}">
-                <a16:creationId xmlns:a16="http://schemas.microsoft.com/office/drawing/2014/main" id="{BF8AB834-3A1E-614C-5519-3E2B8ADBFAA3}"/>
-              </a:ext>
-            </a:extLst>
-          </p:cNvPr>
+            <a:endParaRPr lang="en-US" dirty="0"/>
+          </a:p>
+        </p:txBody>
+      </p:sp>
+      <p:sp>
+        <p:nvSpPr>
+          <p:cNvPr id="3" name="Content Placeholder 2"/>
           <p:cNvSpPr>
             <a:spLocks noGrp="1"/>
           </p:cNvSpPr>
@@ -2278,18 +2012,13 @@
               <a:rPr lang="zh-TW" altLang="en-US"/>
               <a:t>第五層</a:t>
             </a:r>
-          </a:p>
-        </p:txBody>
-      </p:sp>
-      <p:sp>
-        <p:nvSpPr>
-          <p:cNvPr id="4" name="文字版面配置區 3">
-            <a:extLst>
-              <a:ext uri="{FF2B5EF4-FFF2-40B4-BE49-F238E27FC236}">
-                <a16:creationId xmlns:a16="http://schemas.microsoft.com/office/drawing/2014/main" id="{4C7F75B7-52E0-1004-523E-E324151DBE91}"/>
-              </a:ext>
-            </a:extLst>
-          </p:cNvPr>
+            <a:endParaRPr lang="en-US" dirty="0"/>
+          </a:p>
+        </p:txBody>
+      </p:sp>
+      <p:sp>
+        <p:nvSpPr>
+          <p:cNvPr id="4" name="Text Placeholder 3"/>
           <p:cNvSpPr>
             <a:spLocks noGrp="1"/>
           </p:cNvSpPr>
@@ -2354,13 +2083,7 @@
       </p:sp>
       <p:sp>
         <p:nvSpPr>
-          <p:cNvPr id="5" name="日期版面配置區 4">
-            <a:extLst>
-              <a:ext uri="{FF2B5EF4-FFF2-40B4-BE49-F238E27FC236}">
-                <a16:creationId xmlns:a16="http://schemas.microsoft.com/office/drawing/2014/main" id="{72D20C64-1A11-1341-F718-543905E03A5E}"/>
-              </a:ext>
-            </a:extLst>
-          </p:cNvPr>
+          <p:cNvPr id="5" name="Date Placeholder 4"/>
           <p:cNvSpPr>
             <a:spLocks noGrp="1"/>
           </p:cNvSpPr>
@@ -2383,13 +2106,7 @@
       </p:sp>
       <p:sp>
         <p:nvSpPr>
-          <p:cNvPr id="6" name="頁尾版面配置區 5">
-            <a:extLst>
-              <a:ext uri="{FF2B5EF4-FFF2-40B4-BE49-F238E27FC236}">
-                <a16:creationId xmlns:a16="http://schemas.microsoft.com/office/drawing/2014/main" id="{B3193AD4-77BC-7479-5B2E-B1EF84F44D4F}"/>
-              </a:ext>
-            </a:extLst>
-          </p:cNvPr>
+          <p:cNvPr id="6" name="Footer Placeholder 5"/>
           <p:cNvSpPr>
             <a:spLocks noGrp="1"/>
           </p:cNvSpPr>
@@ -2408,13 +2125,7 @@
       </p:sp>
       <p:sp>
         <p:nvSpPr>
-          <p:cNvPr id="7" name="投影片編號版面配置區 6">
-            <a:extLst>
-              <a:ext uri="{FF2B5EF4-FFF2-40B4-BE49-F238E27FC236}">
-                <a16:creationId xmlns:a16="http://schemas.microsoft.com/office/drawing/2014/main" id="{A5002982-AABA-93E9-B2F4-B22AA9984C14}"/>
-              </a:ext>
-            </a:extLst>
-          </p:cNvPr>
+          <p:cNvPr id="7" name="Slide Number Placeholder 6"/>
           <p:cNvSpPr>
             <a:spLocks noGrp="1"/>
           </p:cNvSpPr>
@@ -2438,7 +2149,7 @@
     </p:spTree>
     <p:extLst>
       <p:ext uri="{BB962C8B-B14F-4D97-AF65-F5344CB8AC3E}">
-        <p14:creationId xmlns:p14="http://schemas.microsoft.com/office/powerpoint/2010/main" val="3552273402"/>
+        <p14:creationId xmlns:p14="http://schemas.microsoft.com/office/powerpoint/2010/main" val="1927142416"/>
       </p:ext>
     </p:extLst>
   </p:cSld>
@@ -2467,13 +2178,7 @@
       </p:grpSpPr>
       <p:sp>
         <p:nvSpPr>
-          <p:cNvPr id="2" name="標題 1">
-            <a:extLst>
-              <a:ext uri="{FF2B5EF4-FFF2-40B4-BE49-F238E27FC236}">
-                <a16:creationId xmlns:a16="http://schemas.microsoft.com/office/drawing/2014/main" id="{DEE67970-013D-1312-BCE8-00F283A4E6E8}"/>
-              </a:ext>
-            </a:extLst>
-          </p:cNvPr>
+          <p:cNvPr id="2" name="Title 1"/>
           <p:cNvSpPr>
             <a:spLocks noGrp="1"/>
           </p:cNvSpPr>
@@ -2499,20 +2204,15 @@
               <a:rPr lang="zh-TW" altLang="en-US"/>
               <a:t>按一下以編輯母片標題樣式</a:t>
             </a:r>
-          </a:p>
-        </p:txBody>
-      </p:sp>
-      <p:sp>
-        <p:nvSpPr>
-          <p:cNvPr id="3" name="圖片版面配置區 2">
-            <a:extLst>
-              <a:ext uri="{FF2B5EF4-FFF2-40B4-BE49-F238E27FC236}">
-                <a16:creationId xmlns:a16="http://schemas.microsoft.com/office/drawing/2014/main" id="{5D476F8E-81E3-3A17-4107-442CC0F4EF13}"/>
-              </a:ext>
-            </a:extLst>
-          </p:cNvPr>
-          <p:cNvSpPr>
-            <a:spLocks noGrp="1"/>
+            <a:endParaRPr lang="en-US" dirty="0"/>
+          </a:p>
+        </p:txBody>
+      </p:sp>
+      <p:sp>
+        <p:nvSpPr>
+          <p:cNvPr id="3" name="Picture Placeholder 2"/>
+          <p:cNvSpPr>
+            <a:spLocks noGrp="1" noChangeAspect="1"/>
           </p:cNvSpPr>
           <p:nvPr>
             <p:ph type="pic" idx="1"/>
@@ -2525,7 +2225,7 @@
           </a:xfrm>
         </p:spPr>
         <p:txBody>
-          <a:bodyPr/>
+          <a:bodyPr anchor="t"/>
           <a:lstStyle>
             <a:lvl1pPr marL="0" indent="0">
               <a:buNone/>
@@ -2565,19 +2265,17 @@
             </a:lvl9pPr>
           </a:lstStyle>
           <a:p>
-            <a:endParaRPr lang="zh-TW" altLang="en-US"/>
-          </a:p>
-        </p:txBody>
-      </p:sp>
-      <p:sp>
-        <p:nvSpPr>
-          <p:cNvPr id="4" name="文字版面配置區 3">
-            <a:extLst>
-              <a:ext uri="{FF2B5EF4-FFF2-40B4-BE49-F238E27FC236}">
-                <a16:creationId xmlns:a16="http://schemas.microsoft.com/office/drawing/2014/main" id="{A57C3450-9121-7743-7492-3AE36930647C}"/>
-              </a:ext>
-            </a:extLst>
-          </p:cNvPr>
+            <a:r>
+              <a:rPr lang="zh-TW" altLang="en-US"/>
+              <a:t>按一下圖示以新增圖片</a:t>
+            </a:r>
+            <a:endParaRPr lang="en-US" dirty="0"/>
+          </a:p>
+        </p:txBody>
+      </p:sp>
+      <p:sp>
+        <p:nvSpPr>
+          <p:cNvPr id="4" name="Text Placeholder 3"/>
           <p:cNvSpPr>
             <a:spLocks noGrp="1"/>
           </p:cNvSpPr>
@@ -2642,13 +2340,7 @@
       </p:sp>
       <p:sp>
         <p:nvSpPr>
-          <p:cNvPr id="5" name="日期版面配置區 4">
-            <a:extLst>
-              <a:ext uri="{FF2B5EF4-FFF2-40B4-BE49-F238E27FC236}">
-                <a16:creationId xmlns:a16="http://schemas.microsoft.com/office/drawing/2014/main" id="{A1412C22-0EEB-DEB4-4892-CD36BDD0312C}"/>
-              </a:ext>
-            </a:extLst>
-          </p:cNvPr>
+          <p:cNvPr id="5" name="Date Placeholder 4"/>
           <p:cNvSpPr>
             <a:spLocks noGrp="1"/>
           </p:cNvSpPr>
@@ -2671,13 +2363,7 @@
       </p:sp>
       <p:sp>
         <p:nvSpPr>
-          <p:cNvPr id="6" name="頁尾版面配置區 5">
-            <a:extLst>
-              <a:ext uri="{FF2B5EF4-FFF2-40B4-BE49-F238E27FC236}">
-                <a16:creationId xmlns:a16="http://schemas.microsoft.com/office/drawing/2014/main" id="{5FD9DB17-E4E1-52BE-76C0-6ECDB8AA8FBA}"/>
-              </a:ext>
-            </a:extLst>
-          </p:cNvPr>
+          <p:cNvPr id="6" name="Footer Placeholder 5"/>
           <p:cNvSpPr>
             <a:spLocks noGrp="1"/>
           </p:cNvSpPr>
@@ -2696,13 +2382,7 @@
       </p:sp>
       <p:sp>
         <p:nvSpPr>
-          <p:cNvPr id="7" name="投影片編號版面配置區 6">
-            <a:extLst>
-              <a:ext uri="{FF2B5EF4-FFF2-40B4-BE49-F238E27FC236}">
-                <a16:creationId xmlns:a16="http://schemas.microsoft.com/office/drawing/2014/main" id="{CDA30EB8-14FB-C0FA-0D2F-73F0F4D411D7}"/>
-              </a:ext>
-            </a:extLst>
-          </p:cNvPr>
+          <p:cNvPr id="7" name="Slide Number Placeholder 6"/>
           <p:cNvSpPr>
             <a:spLocks noGrp="1"/>
           </p:cNvSpPr>
@@ -2726,7 +2406,7 @@
     </p:spTree>
     <p:extLst>
       <p:ext uri="{BB962C8B-B14F-4D97-AF65-F5344CB8AC3E}">
-        <p14:creationId xmlns:p14="http://schemas.microsoft.com/office/powerpoint/2010/main" val="3860025881"/>
+        <p14:creationId xmlns:p14="http://schemas.microsoft.com/office/powerpoint/2010/main" val="1888634054"/>
       </p:ext>
     </p:extLst>
   </p:cSld>
@@ -2760,13 +2440,7 @@
       </p:grpSpPr>
       <p:sp>
         <p:nvSpPr>
-          <p:cNvPr id="2" name="標題版面配置區 1">
-            <a:extLst>
-              <a:ext uri="{FF2B5EF4-FFF2-40B4-BE49-F238E27FC236}">
-                <a16:creationId xmlns:a16="http://schemas.microsoft.com/office/drawing/2014/main" id="{17BA146A-F000-61C0-8FB9-8EA605CAA369}"/>
-              </a:ext>
-            </a:extLst>
-          </p:cNvPr>
+          <p:cNvPr id="2" name="Title Placeholder 1"/>
           <p:cNvSpPr>
             <a:spLocks noGrp="1"/>
           </p:cNvSpPr>
@@ -2793,18 +2467,13 @@
               <a:rPr lang="zh-TW" altLang="en-US"/>
               <a:t>按一下以編輯母片標題樣式</a:t>
             </a:r>
-          </a:p>
-        </p:txBody>
-      </p:sp>
-      <p:sp>
-        <p:nvSpPr>
-          <p:cNvPr id="3" name="文字版面配置區 2">
-            <a:extLst>
-              <a:ext uri="{FF2B5EF4-FFF2-40B4-BE49-F238E27FC236}">
-                <a16:creationId xmlns:a16="http://schemas.microsoft.com/office/drawing/2014/main" id="{45B65EEF-071B-452E-E7EE-89BD206A66B7}"/>
-              </a:ext>
-            </a:extLst>
-          </p:cNvPr>
+            <a:endParaRPr lang="en-US" dirty="0"/>
+          </a:p>
+        </p:txBody>
+      </p:sp>
+      <p:sp>
+        <p:nvSpPr>
+          <p:cNvPr id="3" name="Text Placeholder 2"/>
           <p:cNvSpPr>
             <a:spLocks noGrp="1"/>
           </p:cNvSpPr>
@@ -2860,18 +2529,13 @@
               <a:rPr lang="zh-TW" altLang="en-US"/>
               <a:t>第五層</a:t>
             </a:r>
-          </a:p>
-        </p:txBody>
-      </p:sp>
-      <p:sp>
-        <p:nvSpPr>
-          <p:cNvPr id="4" name="日期版面配置區 3">
-            <a:extLst>
-              <a:ext uri="{FF2B5EF4-FFF2-40B4-BE49-F238E27FC236}">
-                <a16:creationId xmlns:a16="http://schemas.microsoft.com/office/drawing/2014/main" id="{92CE3D5F-B2EB-5019-51C5-5E952D6F7B54}"/>
-              </a:ext>
-            </a:extLst>
-          </p:cNvPr>
+            <a:endParaRPr lang="en-US" dirty="0"/>
+          </a:p>
+        </p:txBody>
+      </p:sp>
+      <p:sp>
+        <p:nvSpPr>
+          <p:cNvPr id="4" name="Date Placeholder 3"/>
           <p:cNvSpPr>
             <a:spLocks noGrp="1"/>
           </p:cNvSpPr>
@@ -2912,13 +2576,7 @@
       </p:sp>
       <p:sp>
         <p:nvSpPr>
-          <p:cNvPr id="5" name="頁尾版面配置區 4">
-            <a:extLst>
-              <a:ext uri="{FF2B5EF4-FFF2-40B4-BE49-F238E27FC236}">
-                <a16:creationId xmlns:a16="http://schemas.microsoft.com/office/drawing/2014/main" id="{3344763B-B086-4DFC-F5CD-81A02DCA1684}"/>
-              </a:ext>
-            </a:extLst>
-          </p:cNvPr>
+          <p:cNvPr id="5" name="Footer Placeholder 4"/>
           <p:cNvSpPr>
             <a:spLocks noGrp="1"/>
           </p:cNvSpPr>
@@ -2955,13 +2613,7 @@
       </p:sp>
       <p:sp>
         <p:nvSpPr>
-          <p:cNvPr id="6" name="投影片編號版面配置區 5">
-            <a:extLst>
-              <a:ext uri="{FF2B5EF4-FFF2-40B4-BE49-F238E27FC236}">
-                <a16:creationId xmlns:a16="http://schemas.microsoft.com/office/drawing/2014/main" id="{E0F5BACA-B49F-4FAA-4CE7-72F37C5258FB}"/>
-              </a:ext>
-            </a:extLst>
-          </p:cNvPr>
+          <p:cNvPr id="6" name="Slide Number Placeholder 5"/>
           <p:cNvSpPr>
             <a:spLocks noGrp="1"/>
           </p:cNvSpPr>
@@ -3003,23 +2655,23 @@
     </p:spTree>
     <p:extLst>
       <p:ext uri="{BB962C8B-B14F-4D97-AF65-F5344CB8AC3E}">
-        <p14:creationId xmlns:p14="http://schemas.microsoft.com/office/powerpoint/2010/main" val="2330973278"/>
+        <p14:creationId xmlns:p14="http://schemas.microsoft.com/office/powerpoint/2010/main" val="2392798573"/>
       </p:ext>
     </p:extLst>
   </p:cSld>
   <p:clrMap bg1="lt1" tx1="dk1" bg2="lt2" tx2="dk2" accent1="accent1" accent2="accent2" accent3="accent3" accent4="accent4" accent5="accent5" accent6="accent6" hlink="hlink" folHlink="folHlink"/>
   <p:sldLayoutIdLst>
-    <p:sldLayoutId id="2147483649" r:id="rId1"/>
-    <p:sldLayoutId id="2147483650" r:id="rId2"/>
-    <p:sldLayoutId id="2147483651" r:id="rId3"/>
-    <p:sldLayoutId id="2147483652" r:id="rId4"/>
-    <p:sldLayoutId id="2147483653" r:id="rId5"/>
-    <p:sldLayoutId id="2147483654" r:id="rId6"/>
-    <p:sldLayoutId id="2147483655" r:id="rId7"/>
-    <p:sldLayoutId id="2147483656" r:id="rId8"/>
-    <p:sldLayoutId id="2147483657" r:id="rId9"/>
-    <p:sldLayoutId id="2147483658" r:id="rId10"/>
-    <p:sldLayoutId id="2147483659" r:id="rId11"/>
+    <p:sldLayoutId id="2147483685" r:id="rId1"/>
+    <p:sldLayoutId id="2147483686" r:id="rId2"/>
+    <p:sldLayoutId id="2147483687" r:id="rId3"/>
+    <p:sldLayoutId id="2147483688" r:id="rId4"/>
+    <p:sldLayoutId id="2147483689" r:id="rId5"/>
+    <p:sldLayoutId id="2147483690" r:id="rId6"/>
+    <p:sldLayoutId id="2147483691" r:id="rId7"/>
+    <p:sldLayoutId id="2147483692" r:id="rId8"/>
+    <p:sldLayoutId id="2147483693" r:id="rId9"/>
+    <p:sldLayoutId id="2147483694" r:id="rId10"/>
+    <p:sldLayoutId id="2147483695" r:id="rId11"/>
   </p:sldLayoutIdLst>
   <p:txStyles>
     <p:titleStyle>
@@ -3207,7 +2859,7 @@
     </p:bodyStyle>
     <p:otherStyle>
       <a:defPPr>
-        <a:defRPr lang="zh-TW"/>
+        <a:defRPr lang="en-US"/>
       </a:defPPr>
       <a:lvl1pPr marL="0" algn="l" defTabSz="914400" rtl="0" eaLnBrk="1" latinLnBrk="0" hangingPunct="1">
         <a:defRPr sz="1800" kern="1200">
@@ -3307,6 +2959,16 @@
 <file path=ppt/slides/slide1.xml><?xml version="1.0" encoding="utf-8"?>
 <p:sld xmlns:a="http://schemas.openxmlformats.org/drawingml/2006/main" xmlns:r="http://schemas.openxmlformats.org/officeDocument/2006/relationships" xmlns:p="http://schemas.openxmlformats.org/presentationml/2006/main">
   <p:cSld>
+    <p:bg>
+      <p:bgPr>
+        <a:solidFill>
+          <a:schemeClr val="accent4">
+            <a:lumMod val="75000"/>
+          </a:schemeClr>
+        </a:solidFill>
+        <a:effectLst/>
+      </p:bgPr>
+    </p:bg>
     <p:spTree>
       <p:nvGrpSpPr>
         <p:cNvPr id="1" name=""/>
@@ -3321,10 +2983,2019 @@
           <a:chExt cx="0" cy="0"/>
         </a:xfrm>
       </p:grpSpPr>
+      <p:sp>
+        <p:nvSpPr>
+          <p:cNvPr id="6" name="矩形 5">
+            <a:extLst>
+              <a:ext uri="{FF2B5EF4-FFF2-40B4-BE49-F238E27FC236}">
+                <a16:creationId xmlns:a16="http://schemas.microsoft.com/office/drawing/2014/main" id="{AAAFF9F6-8558-D77B-501D-4F7EA9F12AEF}"/>
+              </a:ext>
+            </a:extLst>
+          </p:cNvPr>
+          <p:cNvSpPr/>
+          <p:nvPr/>
+        </p:nvSpPr>
+        <p:spPr>
+          <a:xfrm>
+            <a:off x="0" y="0"/>
+            <a:ext cx="12192000" cy="708660"/>
+          </a:xfrm>
+          <a:prstGeom prst="rect">
+            <a:avLst/>
+          </a:prstGeom>
+          <a:solidFill>
+            <a:schemeClr val="accent4">
+              <a:lumMod val="20000"/>
+              <a:lumOff val="80000"/>
+            </a:schemeClr>
+          </a:solidFill>
+          <a:ln>
+            <a:noFill/>
+          </a:ln>
+        </p:spPr>
+        <p:style>
+          <a:lnRef idx="2">
+            <a:schemeClr val="accent1">
+              <a:shade val="15000"/>
+            </a:schemeClr>
+          </a:lnRef>
+          <a:fillRef idx="1">
+            <a:schemeClr val="accent1"/>
+          </a:fillRef>
+          <a:effectRef idx="0">
+            <a:schemeClr val="accent1"/>
+          </a:effectRef>
+          <a:fontRef idx="minor">
+            <a:schemeClr val="lt1"/>
+          </a:fontRef>
+        </p:style>
+        <p:txBody>
+          <a:bodyPr rtlCol="0" anchor="ctr"/>
+          <a:lstStyle/>
+          <a:p>
+            <a:pPr algn="ctr"/>
+            <a:endParaRPr lang="zh-TW" altLang="en-US"/>
+          </a:p>
+        </p:txBody>
+      </p:sp>
+      <p:sp>
+        <p:nvSpPr>
+          <p:cNvPr id="7" name="矩形 6">
+            <a:extLst>
+              <a:ext uri="{FF2B5EF4-FFF2-40B4-BE49-F238E27FC236}">
+                <a16:creationId xmlns:a16="http://schemas.microsoft.com/office/drawing/2014/main" id="{D8E154D4-89DD-2143-BA3F-C87979694CB9}"/>
+              </a:ext>
+            </a:extLst>
+          </p:cNvPr>
+          <p:cNvSpPr/>
+          <p:nvPr/>
+        </p:nvSpPr>
+        <p:spPr>
+          <a:xfrm>
+            <a:off x="0" y="708660"/>
+            <a:ext cx="12192000" cy="45719"/>
+          </a:xfrm>
+          <a:prstGeom prst="rect">
+            <a:avLst/>
+          </a:prstGeom>
+          <a:gradFill flip="none" rotWithShape="1">
+            <a:gsLst>
+              <a:gs pos="0">
+                <a:schemeClr val="accent4">
+                  <a:lumMod val="20000"/>
+                  <a:lumOff val="80000"/>
+                </a:schemeClr>
+              </a:gs>
+              <a:gs pos="100000">
+                <a:schemeClr val="accent4">
+                  <a:lumMod val="75000"/>
+                </a:schemeClr>
+              </a:gs>
+            </a:gsLst>
+            <a:lin ang="0" scaled="1"/>
+            <a:tileRect/>
+          </a:gradFill>
+          <a:ln>
+            <a:noFill/>
+          </a:ln>
+        </p:spPr>
+        <p:style>
+          <a:lnRef idx="2">
+            <a:schemeClr val="accent1">
+              <a:shade val="15000"/>
+            </a:schemeClr>
+          </a:lnRef>
+          <a:fillRef idx="1">
+            <a:schemeClr val="accent1"/>
+          </a:fillRef>
+          <a:effectRef idx="0">
+            <a:schemeClr val="accent1"/>
+          </a:effectRef>
+          <a:fontRef idx="minor">
+            <a:schemeClr val="lt1"/>
+          </a:fontRef>
+        </p:style>
+        <p:txBody>
+          <a:bodyPr rtlCol="0" anchor="ctr"/>
+          <a:lstStyle/>
+          <a:p>
+            <a:pPr algn="ctr"/>
+            <a:endParaRPr lang="zh-TW" altLang="en-US"/>
+          </a:p>
+        </p:txBody>
+      </p:sp>
+      <p:sp>
+        <p:nvSpPr>
+          <p:cNvPr id="18" name="矩形 17">
+            <a:extLst>
+              <a:ext uri="{FF2B5EF4-FFF2-40B4-BE49-F238E27FC236}">
+                <a16:creationId xmlns:a16="http://schemas.microsoft.com/office/drawing/2014/main" id="{63697C71-C667-DCC1-3A0F-1D063A5F6001}"/>
+              </a:ext>
+            </a:extLst>
+          </p:cNvPr>
+          <p:cNvSpPr/>
+          <p:nvPr/>
+        </p:nvSpPr>
+        <p:spPr>
+          <a:xfrm>
+            <a:off x="-168443" y="15702"/>
+            <a:ext cx="5197643" cy="646331"/>
+          </a:xfrm>
+          <a:prstGeom prst="rect">
+            <a:avLst/>
+          </a:prstGeom>
+          <a:noFill/>
+          <a:ln>
+            <a:noFill/>
+          </a:ln>
+        </p:spPr>
+        <p:txBody>
+          <a:bodyPr wrap="square" lIns="91440" tIns="45720" rIns="91440" bIns="45720">
+            <a:spAutoFit/>
+          </a:bodyPr>
+          <a:lstStyle/>
+          <a:p>
+            <a:pPr algn="ctr"/>
+            <a:r>
+              <a:rPr lang="en-US" altLang="zh-TW" sz="3600" b="1" dirty="0">
+                <a:ln w="12700" cmpd="sng">
+                  <a:noFill/>
+                  <a:prstDash val="solid"/>
+                </a:ln>
+                <a:solidFill>
+                  <a:schemeClr val="tx2">
+                    <a:lumMod val="75000"/>
+                  </a:schemeClr>
+                </a:solidFill>
+                <a:effectLst>
+                  <a:outerShdw blurRad="38100" dist="38100" dir="2700000" algn="tl">
+                    <a:srgbClr val="000000">
+                      <a:alpha val="43137"/>
+                    </a:srgbClr>
+                  </a:outerShdw>
+                </a:effectLst>
+              </a:rPr>
+              <a:t>Campaign</a:t>
+            </a:r>
+            <a:r>
+              <a:rPr lang="en-US" altLang="zh-TW" sz="3600" b="1" dirty="0">
+                <a:ln w="12700" cmpd="sng">
+                  <a:noFill/>
+                  <a:prstDash val="solid"/>
+                </a:ln>
+                <a:solidFill>
+                  <a:schemeClr val="tx2">
+                    <a:lumMod val="75000"/>
+                  </a:schemeClr>
+                </a:solidFill>
+              </a:rPr>
+              <a:t> </a:t>
+            </a:r>
+            <a:r>
+              <a:rPr lang="en-US" altLang="zh-TW" sz="3600" b="1" dirty="0">
+                <a:ln w="12700" cmpd="sng">
+                  <a:noFill/>
+                  <a:prstDash val="solid"/>
+                </a:ln>
+                <a:solidFill>
+                  <a:schemeClr val="tx2">
+                    <a:lumMod val="75000"/>
+                  </a:schemeClr>
+                </a:solidFill>
+                <a:effectLst>
+                  <a:outerShdw blurRad="38100" dist="38100" dir="2700000" algn="tl">
+                    <a:srgbClr val="000000">
+                      <a:alpha val="43137"/>
+                    </a:srgbClr>
+                  </a:outerShdw>
+                </a:effectLst>
+              </a:rPr>
+              <a:t>Performance</a:t>
+            </a:r>
+            <a:endParaRPr lang="zh-TW" altLang="en-US" sz="3600" b="1" dirty="0">
+              <a:ln w="12700" cmpd="sng">
+                <a:noFill/>
+                <a:prstDash val="solid"/>
+              </a:ln>
+              <a:solidFill>
+                <a:schemeClr val="tx2">
+                  <a:lumMod val="75000"/>
+                </a:schemeClr>
+              </a:solidFill>
+              <a:effectLst>
+                <a:outerShdw blurRad="38100" dist="38100" dir="2700000" algn="tl">
+                  <a:srgbClr val="000000">
+                    <a:alpha val="43137"/>
+                  </a:srgbClr>
+                </a:outerShdw>
+              </a:effectLst>
+            </a:endParaRPr>
+          </a:p>
+        </p:txBody>
+      </p:sp>
+      <p:sp>
+        <p:nvSpPr>
+          <p:cNvPr id="19" name="矩形 18">
+            <a:extLst>
+              <a:ext uri="{FF2B5EF4-FFF2-40B4-BE49-F238E27FC236}">
+                <a16:creationId xmlns:a16="http://schemas.microsoft.com/office/drawing/2014/main" id="{4EF4F6AF-B927-5EBE-DE1D-F6EBCDE0D5F0}"/>
+              </a:ext>
+            </a:extLst>
+          </p:cNvPr>
+          <p:cNvSpPr/>
+          <p:nvPr/>
+        </p:nvSpPr>
+        <p:spPr>
+          <a:xfrm>
+            <a:off x="8987589" y="15702"/>
+            <a:ext cx="3204411" cy="646331"/>
+          </a:xfrm>
+          <a:prstGeom prst="rect">
+            <a:avLst/>
+          </a:prstGeom>
+          <a:noFill/>
+          <a:ln>
+            <a:noFill/>
+          </a:ln>
+          <a:effectLst>
+            <a:reflection blurRad="6350" stA="50000" endA="300" endPos="38500" dist="50800" dir="5400000" sy="-100000" algn="bl" rotWithShape="0"/>
+          </a:effectLst>
+        </p:spPr>
+        <p:txBody>
+          <a:bodyPr wrap="square" lIns="91440" tIns="45720" rIns="91440" bIns="45720">
+            <a:spAutoFit/>
+          </a:bodyPr>
+          <a:lstStyle/>
+          <a:p>
+            <a:pPr algn="ctr"/>
+            <a:r>
+              <a:rPr lang="en-US" altLang="zh-TW" sz="3600" b="1" dirty="0">
+                <a:ln w="0">
+                  <a:solidFill>
+                    <a:schemeClr val="tx2">
+                      <a:lumMod val="75000"/>
+                    </a:schemeClr>
+                  </a:solidFill>
+                </a:ln>
+                <a:solidFill>
+                  <a:schemeClr val="tx2">
+                    <a:lumMod val="60000"/>
+                    <a:lumOff val="40000"/>
+                  </a:schemeClr>
+                </a:solidFill>
+                <a:effectLst>
+                  <a:outerShdw blurRad="38100" dist="25400" dir="5400000" algn="ctr" rotWithShape="0">
+                    <a:srgbClr val="6E747A">
+                      <a:alpha val="43000"/>
+                    </a:srgbClr>
+                  </a:outerShdw>
+                  <a:reflection stA="45000" endPos="30000" dist="50800" dir="5400000" sy="-100000" algn="bl" rotWithShape="0"/>
+                </a:effectLst>
+              </a:rPr>
+              <a:t>Market  </a:t>
+            </a:r>
+            <a:r>
+              <a:rPr lang="en-US" altLang="zh-TW" sz="3600" b="1" dirty="0" err="1">
+                <a:ln w="0">
+                  <a:solidFill>
+                    <a:schemeClr val="tx2">
+                      <a:lumMod val="75000"/>
+                    </a:schemeClr>
+                  </a:solidFill>
+                </a:ln>
+                <a:solidFill>
+                  <a:schemeClr val="tx2">
+                    <a:lumMod val="60000"/>
+                    <a:lumOff val="40000"/>
+                  </a:schemeClr>
+                </a:solidFill>
+                <a:effectLst>
+                  <a:outerShdw blurRad="38100" dist="25400" dir="5400000" algn="ctr" rotWithShape="0">
+                    <a:srgbClr val="6E747A">
+                      <a:alpha val="43000"/>
+                    </a:srgbClr>
+                  </a:outerShdw>
+                  <a:reflection stA="45000" endPos="30000" dist="50800" dir="5400000" sy="-100000" algn="bl" rotWithShape="0"/>
+                </a:effectLst>
+              </a:rPr>
+              <a:t>Mindz</a:t>
+            </a:r>
+            <a:endParaRPr lang="zh-TW" altLang="en-US" sz="3600" b="1" dirty="0">
+              <a:ln w="0">
+                <a:solidFill>
+                  <a:schemeClr val="tx2">
+                    <a:lumMod val="75000"/>
+                  </a:schemeClr>
+                </a:solidFill>
+              </a:ln>
+              <a:solidFill>
+                <a:schemeClr val="tx2">
+                  <a:lumMod val="60000"/>
+                  <a:lumOff val="40000"/>
+                </a:schemeClr>
+              </a:solidFill>
+              <a:effectLst>
+                <a:outerShdw blurRad="38100" dist="25400" dir="5400000" algn="ctr" rotWithShape="0">
+                  <a:srgbClr val="6E747A">
+                    <a:alpha val="43000"/>
+                  </a:srgbClr>
+                </a:outerShdw>
+                <a:reflection stA="45000" endPos="30000" dist="50800" dir="5400000" sy="-100000" algn="bl" rotWithShape="0"/>
+              </a:effectLst>
+            </a:endParaRPr>
+          </a:p>
+        </p:txBody>
+      </p:sp>
     </p:spTree>
     <p:extLst>
       <p:ext uri="{BB962C8B-B14F-4D97-AF65-F5344CB8AC3E}">
         <p14:creationId xmlns:p14="http://schemas.microsoft.com/office/powerpoint/2010/main" val="1306621393"/>
+      </p:ext>
+    </p:extLst>
+  </p:cSld>
+  <p:clrMapOvr>
+    <a:masterClrMapping/>
+  </p:clrMapOvr>
+  <mc:AlternateContent xmlns:mc="http://schemas.openxmlformats.org/markup-compatibility/2006">
+    <mc:Choice xmlns:p14="http://schemas.microsoft.com/office/powerpoint/2010/main" Requires="p14">
+      <p:transition p14:dur="10"/>
+    </mc:Choice>
+    <mc:Fallback>
+      <p:transition/>
+    </mc:Fallback>
+  </mc:AlternateContent>
+</p:sld>
+</file>
+
+<file path=ppt/slides/slide2.xml><?xml version="1.0" encoding="utf-8"?>
+<p:sld xmlns:a="http://schemas.openxmlformats.org/drawingml/2006/main" xmlns:r="http://schemas.openxmlformats.org/officeDocument/2006/relationships" xmlns:p="http://schemas.openxmlformats.org/presentationml/2006/main">
+  <p:cSld>
+    <p:bg>
+      <p:bgPr>
+        <a:solidFill>
+          <a:schemeClr val="accent4">
+            <a:lumMod val="75000"/>
+          </a:schemeClr>
+        </a:solidFill>
+        <a:effectLst/>
+      </p:bgPr>
+    </p:bg>
+    <p:spTree>
+      <p:nvGrpSpPr>
+        <p:cNvPr id="1" name="">
+          <a:extLst>
+            <a:ext uri="{FF2B5EF4-FFF2-40B4-BE49-F238E27FC236}">
+              <a16:creationId xmlns:a16="http://schemas.microsoft.com/office/drawing/2014/main" id="{D967CDB0-B9AF-AE5D-F80B-3141273B34E0}"/>
+            </a:ext>
+          </a:extLst>
+        </p:cNvPr>
+        <p:cNvGrpSpPr/>
+        <p:nvPr/>
+      </p:nvGrpSpPr>
+      <p:grpSpPr>
+        <a:xfrm>
+          <a:off x="0" y="0"/>
+          <a:ext cx="0" cy="0"/>
+          <a:chOff x="0" y="0"/>
+          <a:chExt cx="0" cy="0"/>
+        </a:xfrm>
+      </p:grpSpPr>
+      <p:sp>
+        <p:nvSpPr>
+          <p:cNvPr id="6" name="矩形 5">
+            <a:extLst>
+              <a:ext uri="{FF2B5EF4-FFF2-40B4-BE49-F238E27FC236}">
+                <a16:creationId xmlns:a16="http://schemas.microsoft.com/office/drawing/2014/main" id="{55FBAAC5-DCD0-9504-03DA-B7AB308C6925}"/>
+              </a:ext>
+            </a:extLst>
+          </p:cNvPr>
+          <p:cNvSpPr/>
+          <p:nvPr/>
+        </p:nvSpPr>
+        <p:spPr>
+          <a:xfrm>
+            <a:off x="0" y="0"/>
+            <a:ext cx="12192000" cy="708660"/>
+          </a:xfrm>
+          <a:prstGeom prst="rect">
+            <a:avLst/>
+          </a:prstGeom>
+          <a:solidFill>
+            <a:schemeClr val="accent4">
+              <a:lumMod val="20000"/>
+              <a:lumOff val="80000"/>
+            </a:schemeClr>
+          </a:solidFill>
+          <a:ln>
+            <a:noFill/>
+          </a:ln>
+        </p:spPr>
+        <p:style>
+          <a:lnRef idx="2">
+            <a:schemeClr val="accent1">
+              <a:shade val="15000"/>
+            </a:schemeClr>
+          </a:lnRef>
+          <a:fillRef idx="1">
+            <a:schemeClr val="accent1"/>
+          </a:fillRef>
+          <a:effectRef idx="0">
+            <a:schemeClr val="accent1"/>
+          </a:effectRef>
+          <a:fontRef idx="minor">
+            <a:schemeClr val="lt1"/>
+          </a:fontRef>
+        </p:style>
+        <p:txBody>
+          <a:bodyPr rtlCol="0" anchor="ctr"/>
+          <a:lstStyle/>
+          <a:p>
+            <a:pPr algn="ctr"/>
+            <a:endParaRPr lang="zh-TW" altLang="en-US"/>
+          </a:p>
+        </p:txBody>
+      </p:sp>
+      <p:sp>
+        <p:nvSpPr>
+          <p:cNvPr id="7" name="矩形 6">
+            <a:extLst>
+              <a:ext uri="{FF2B5EF4-FFF2-40B4-BE49-F238E27FC236}">
+                <a16:creationId xmlns:a16="http://schemas.microsoft.com/office/drawing/2014/main" id="{BFD00CBA-B9DF-0453-4D8E-6D8B0EC9194E}"/>
+              </a:ext>
+            </a:extLst>
+          </p:cNvPr>
+          <p:cNvSpPr/>
+          <p:nvPr/>
+        </p:nvSpPr>
+        <p:spPr>
+          <a:xfrm>
+            <a:off x="0" y="708660"/>
+            <a:ext cx="12192000" cy="45719"/>
+          </a:xfrm>
+          <a:prstGeom prst="rect">
+            <a:avLst/>
+          </a:prstGeom>
+          <a:gradFill flip="none" rotWithShape="1">
+            <a:gsLst>
+              <a:gs pos="0">
+                <a:schemeClr val="accent4">
+                  <a:lumMod val="20000"/>
+                  <a:lumOff val="80000"/>
+                </a:schemeClr>
+              </a:gs>
+              <a:gs pos="100000">
+                <a:schemeClr val="accent4">
+                  <a:lumMod val="75000"/>
+                </a:schemeClr>
+              </a:gs>
+            </a:gsLst>
+            <a:lin ang="0" scaled="1"/>
+            <a:tileRect/>
+          </a:gradFill>
+          <a:ln>
+            <a:noFill/>
+          </a:ln>
+        </p:spPr>
+        <p:style>
+          <a:lnRef idx="2">
+            <a:schemeClr val="accent1">
+              <a:shade val="15000"/>
+            </a:schemeClr>
+          </a:lnRef>
+          <a:fillRef idx="1">
+            <a:schemeClr val="accent1"/>
+          </a:fillRef>
+          <a:effectRef idx="0">
+            <a:schemeClr val="accent1"/>
+          </a:effectRef>
+          <a:fontRef idx="minor">
+            <a:schemeClr val="lt1"/>
+          </a:fontRef>
+        </p:style>
+        <p:txBody>
+          <a:bodyPr rtlCol="0" anchor="ctr"/>
+          <a:lstStyle/>
+          <a:p>
+            <a:pPr algn="ctr"/>
+            <a:endParaRPr lang="zh-TW" altLang="en-US"/>
+          </a:p>
+        </p:txBody>
+      </p:sp>
+      <p:sp>
+        <p:nvSpPr>
+          <p:cNvPr id="18" name="矩形 17">
+            <a:extLst>
+              <a:ext uri="{FF2B5EF4-FFF2-40B4-BE49-F238E27FC236}">
+                <a16:creationId xmlns:a16="http://schemas.microsoft.com/office/drawing/2014/main" id="{5EE5A1FE-5167-504B-6D60-B5004DFFA4E5}"/>
+              </a:ext>
+            </a:extLst>
+          </p:cNvPr>
+          <p:cNvSpPr/>
+          <p:nvPr/>
+        </p:nvSpPr>
+        <p:spPr>
+          <a:xfrm>
+            <a:off x="36096" y="24359"/>
+            <a:ext cx="3898232" cy="646331"/>
+          </a:xfrm>
+          <a:prstGeom prst="rect">
+            <a:avLst/>
+          </a:prstGeom>
+          <a:noFill/>
+          <a:ln>
+            <a:noFill/>
+          </a:ln>
+        </p:spPr>
+        <p:txBody>
+          <a:bodyPr wrap="square" lIns="91440" tIns="45720" rIns="91440" bIns="45720">
+            <a:spAutoFit/>
+          </a:bodyPr>
+          <a:lstStyle/>
+          <a:p>
+            <a:pPr algn="ctr"/>
+            <a:r>
+              <a:rPr lang="en-US" altLang="zh-TW" sz="3600" b="1" dirty="0">
+                <a:ln w="12700" cmpd="sng">
+                  <a:noFill/>
+                  <a:prstDash val="solid"/>
+                </a:ln>
+                <a:solidFill>
+                  <a:schemeClr val="tx2">
+                    <a:lumMod val="75000"/>
+                  </a:schemeClr>
+                </a:solidFill>
+                <a:effectLst>
+                  <a:outerShdw blurRad="38100" dist="38100" dir="2700000" algn="tl">
+                    <a:srgbClr val="000000">
+                      <a:alpha val="43137"/>
+                    </a:srgbClr>
+                  </a:outerShdw>
+                </a:effectLst>
+              </a:rPr>
+              <a:t>Buyer Composition</a:t>
+            </a:r>
+            <a:endParaRPr lang="zh-TW" altLang="en-US" sz="3600" b="1" dirty="0">
+              <a:ln w="12700" cmpd="sng">
+                <a:noFill/>
+                <a:prstDash val="solid"/>
+              </a:ln>
+              <a:solidFill>
+                <a:schemeClr val="tx2">
+                  <a:lumMod val="75000"/>
+                </a:schemeClr>
+              </a:solidFill>
+              <a:effectLst>
+                <a:outerShdw blurRad="38100" dist="38100" dir="2700000" algn="tl">
+                  <a:srgbClr val="000000">
+                    <a:alpha val="43137"/>
+                  </a:srgbClr>
+                </a:outerShdw>
+              </a:effectLst>
+            </a:endParaRPr>
+          </a:p>
+        </p:txBody>
+      </p:sp>
+      <p:sp>
+        <p:nvSpPr>
+          <p:cNvPr id="19" name="矩形 18">
+            <a:extLst>
+              <a:ext uri="{FF2B5EF4-FFF2-40B4-BE49-F238E27FC236}">
+                <a16:creationId xmlns:a16="http://schemas.microsoft.com/office/drawing/2014/main" id="{BDFC29C0-C552-843D-EDFF-E12E6694B02B}"/>
+              </a:ext>
+            </a:extLst>
+          </p:cNvPr>
+          <p:cNvSpPr/>
+          <p:nvPr/>
+        </p:nvSpPr>
+        <p:spPr>
+          <a:xfrm>
+            <a:off x="8987589" y="15702"/>
+            <a:ext cx="3204411" cy="646331"/>
+          </a:xfrm>
+          <a:prstGeom prst="rect">
+            <a:avLst/>
+          </a:prstGeom>
+          <a:noFill/>
+          <a:ln>
+            <a:noFill/>
+          </a:ln>
+          <a:effectLst>
+            <a:reflection blurRad="6350" stA="50000" endA="300" endPos="38500" dist="50800" dir="5400000" sy="-100000" algn="bl" rotWithShape="0"/>
+          </a:effectLst>
+        </p:spPr>
+        <p:txBody>
+          <a:bodyPr wrap="square" lIns="91440" tIns="45720" rIns="91440" bIns="45720">
+            <a:spAutoFit/>
+          </a:bodyPr>
+          <a:lstStyle/>
+          <a:p>
+            <a:pPr algn="ctr"/>
+            <a:r>
+              <a:rPr lang="en-US" altLang="zh-TW" sz="3600" b="1" dirty="0">
+                <a:ln w="0">
+                  <a:solidFill>
+                    <a:schemeClr val="tx2">
+                      <a:lumMod val="75000"/>
+                    </a:schemeClr>
+                  </a:solidFill>
+                </a:ln>
+                <a:solidFill>
+                  <a:schemeClr val="tx2">
+                    <a:lumMod val="60000"/>
+                    <a:lumOff val="40000"/>
+                  </a:schemeClr>
+                </a:solidFill>
+                <a:effectLst>
+                  <a:outerShdw blurRad="38100" dist="25400" dir="5400000" algn="ctr" rotWithShape="0">
+                    <a:srgbClr val="6E747A">
+                      <a:alpha val="43000"/>
+                    </a:srgbClr>
+                  </a:outerShdw>
+                  <a:reflection stA="45000" endPos="30000" dist="50800" dir="5400000" sy="-100000" algn="bl" rotWithShape="0"/>
+                </a:effectLst>
+              </a:rPr>
+              <a:t>Market  </a:t>
+            </a:r>
+            <a:r>
+              <a:rPr lang="en-US" altLang="zh-TW" sz="3600" b="1" dirty="0" err="1">
+                <a:ln w="0">
+                  <a:solidFill>
+                    <a:schemeClr val="tx2">
+                      <a:lumMod val="75000"/>
+                    </a:schemeClr>
+                  </a:solidFill>
+                </a:ln>
+                <a:solidFill>
+                  <a:schemeClr val="tx2">
+                    <a:lumMod val="60000"/>
+                    <a:lumOff val="40000"/>
+                  </a:schemeClr>
+                </a:solidFill>
+                <a:effectLst>
+                  <a:outerShdw blurRad="38100" dist="25400" dir="5400000" algn="ctr" rotWithShape="0">
+                    <a:srgbClr val="6E747A">
+                      <a:alpha val="43000"/>
+                    </a:srgbClr>
+                  </a:outerShdw>
+                  <a:reflection stA="45000" endPos="30000" dist="50800" dir="5400000" sy="-100000" algn="bl" rotWithShape="0"/>
+                </a:effectLst>
+              </a:rPr>
+              <a:t>Mindz</a:t>
+            </a:r>
+            <a:endParaRPr lang="zh-TW" altLang="en-US" sz="3600" b="1" dirty="0">
+              <a:ln w="0">
+                <a:solidFill>
+                  <a:schemeClr val="tx2">
+                    <a:lumMod val="75000"/>
+                  </a:schemeClr>
+                </a:solidFill>
+              </a:ln>
+              <a:solidFill>
+                <a:schemeClr val="tx2">
+                  <a:lumMod val="60000"/>
+                  <a:lumOff val="40000"/>
+                </a:schemeClr>
+              </a:solidFill>
+              <a:effectLst>
+                <a:outerShdw blurRad="38100" dist="25400" dir="5400000" algn="ctr" rotWithShape="0">
+                  <a:srgbClr val="6E747A">
+                    <a:alpha val="43000"/>
+                  </a:srgbClr>
+                </a:outerShdw>
+                <a:reflection stA="45000" endPos="30000" dist="50800" dir="5400000" sy="-100000" algn="bl" rotWithShape="0"/>
+              </a:effectLst>
+            </a:endParaRPr>
+          </a:p>
+        </p:txBody>
+      </p:sp>
+    </p:spTree>
+    <p:extLst>
+      <p:ext uri="{BB962C8B-B14F-4D97-AF65-F5344CB8AC3E}">
+        <p14:creationId xmlns:p14="http://schemas.microsoft.com/office/powerpoint/2010/main" val="2153756038"/>
+      </p:ext>
+    </p:extLst>
+  </p:cSld>
+  <p:clrMapOvr>
+    <a:masterClrMapping/>
+  </p:clrMapOvr>
+  <mc:AlternateContent xmlns:mc="http://schemas.openxmlformats.org/markup-compatibility/2006">
+    <mc:Choice xmlns:p14="http://schemas.microsoft.com/office/powerpoint/2010/main" Requires="p14">
+      <p:transition p14:dur="10"/>
+    </mc:Choice>
+    <mc:Fallback>
+      <p:transition/>
+    </mc:Fallback>
+  </mc:AlternateContent>
+</p:sld>
+</file>
+
+<file path=ppt/slides/slide3.xml><?xml version="1.0" encoding="utf-8"?>
+<p:sld xmlns:a="http://schemas.openxmlformats.org/drawingml/2006/main" xmlns:r="http://schemas.openxmlformats.org/officeDocument/2006/relationships" xmlns:p="http://schemas.openxmlformats.org/presentationml/2006/main">
+  <p:cSld>
+    <p:bg>
+      <p:bgPr>
+        <a:solidFill>
+          <a:schemeClr val="accent4">
+            <a:lumMod val="75000"/>
+          </a:schemeClr>
+        </a:solidFill>
+        <a:effectLst/>
+      </p:bgPr>
+    </p:bg>
+    <p:spTree>
+      <p:nvGrpSpPr>
+        <p:cNvPr id="1" name="">
+          <a:extLst>
+            <a:ext uri="{FF2B5EF4-FFF2-40B4-BE49-F238E27FC236}">
+              <a16:creationId xmlns:a16="http://schemas.microsoft.com/office/drawing/2014/main" id="{51C311D7-F911-44A7-1371-2EEB37AAD1EB}"/>
+            </a:ext>
+          </a:extLst>
+        </p:cNvPr>
+        <p:cNvGrpSpPr/>
+        <p:nvPr/>
+      </p:nvGrpSpPr>
+      <p:grpSpPr>
+        <a:xfrm>
+          <a:off x="0" y="0"/>
+          <a:ext cx="0" cy="0"/>
+          <a:chOff x="0" y="0"/>
+          <a:chExt cx="0" cy="0"/>
+        </a:xfrm>
+      </p:grpSpPr>
+      <p:sp>
+        <p:nvSpPr>
+          <p:cNvPr id="6" name="矩形 5">
+            <a:extLst>
+              <a:ext uri="{FF2B5EF4-FFF2-40B4-BE49-F238E27FC236}">
+                <a16:creationId xmlns:a16="http://schemas.microsoft.com/office/drawing/2014/main" id="{116D12CF-EB53-2FC5-EB44-20CB06797883}"/>
+              </a:ext>
+            </a:extLst>
+          </p:cNvPr>
+          <p:cNvSpPr/>
+          <p:nvPr/>
+        </p:nvSpPr>
+        <p:spPr>
+          <a:xfrm>
+            <a:off x="0" y="0"/>
+            <a:ext cx="12192000" cy="708660"/>
+          </a:xfrm>
+          <a:prstGeom prst="rect">
+            <a:avLst/>
+          </a:prstGeom>
+          <a:solidFill>
+            <a:schemeClr val="accent4">
+              <a:lumMod val="20000"/>
+              <a:lumOff val="80000"/>
+            </a:schemeClr>
+          </a:solidFill>
+          <a:ln>
+            <a:noFill/>
+          </a:ln>
+        </p:spPr>
+        <p:style>
+          <a:lnRef idx="2">
+            <a:schemeClr val="accent1">
+              <a:shade val="15000"/>
+            </a:schemeClr>
+          </a:lnRef>
+          <a:fillRef idx="1">
+            <a:schemeClr val="accent1"/>
+          </a:fillRef>
+          <a:effectRef idx="0">
+            <a:schemeClr val="accent1"/>
+          </a:effectRef>
+          <a:fontRef idx="minor">
+            <a:schemeClr val="lt1"/>
+          </a:fontRef>
+        </p:style>
+        <p:txBody>
+          <a:bodyPr rtlCol="0" anchor="ctr"/>
+          <a:lstStyle/>
+          <a:p>
+            <a:pPr algn="ctr"/>
+            <a:endParaRPr lang="zh-TW" altLang="en-US"/>
+          </a:p>
+        </p:txBody>
+      </p:sp>
+      <p:sp>
+        <p:nvSpPr>
+          <p:cNvPr id="7" name="矩形 6">
+            <a:extLst>
+              <a:ext uri="{FF2B5EF4-FFF2-40B4-BE49-F238E27FC236}">
+                <a16:creationId xmlns:a16="http://schemas.microsoft.com/office/drawing/2014/main" id="{A23EED6B-01E7-9947-C9C9-BBA815F84965}"/>
+              </a:ext>
+            </a:extLst>
+          </p:cNvPr>
+          <p:cNvSpPr/>
+          <p:nvPr/>
+        </p:nvSpPr>
+        <p:spPr>
+          <a:xfrm>
+            <a:off x="0" y="708660"/>
+            <a:ext cx="12192000" cy="45719"/>
+          </a:xfrm>
+          <a:prstGeom prst="rect">
+            <a:avLst/>
+          </a:prstGeom>
+          <a:gradFill flip="none" rotWithShape="1">
+            <a:gsLst>
+              <a:gs pos="0">
+                <a:schemeClr val="accent4">
+                  <a:lumMod val="20000"/>
+                  <a:lumOff val="80000"/>
+                </a:schemeClr>
+              </a:gs>
+              <a:gs pos="100000">
+                <a:schemeClr val="accent4">
+                  <a:lumMod val="75000"/>
+                </a:schemeClr>
+              </a:gs>
+            </a:gsLst>
+            <a:lin ang="0" scaled="1"/>
+            <a:tileRect/>
+          </a:gradFill>
+          <a:ln>
+            <a:noFill/>
+          </a:ln>
+        </p:spPr>
+        <p:style>
+          <a:lnRef idx="2">
+            <a:schemeClr val="accent1">
+              <a:shade val="15000"/>
+            </a:schemeClr>
+          </a:lnRef>
+          <a:fillRef idx="1">
+            <a:schemeClr val="accent1"/>
+          </a:fillRef>
+          <a:effectRef idx="0">
+            <a:schemeClr val="accent1"/>
+          </a:effectRef>
+          <a:fontRef idx="minor">
+            <a:schemeClr val="lt1"/>
+          </a:fontRef>
+        </p:style>
+        <p:txBody>
+          <a:bodyPr rtlCol="0" anchor="ctr"/>
+          <a:lstStyle/>
+          <a:p>
+            <a:pPr algn="ctr"/>
+            <a:endParaRPr lang="zh-TW" altLang="en-US"/>
+          </a:p>
+        </p:txBody>
+      </p:sp>
+      <p:sp>
+        <p:nvSpPr>
+          <p:cNvPr id="18" name="矩形 17">
+            <a:extLst>
+              <a:ext uri="{FF2B5EF4-FFF2-40B4-BE49-F238E27FC236}">
+                <a16:creationId xmlns:a16="http://schemas.microsoft.com/office/drawing/2014/main" id="{BE8919D9-5C3F-4F7E-C731-4B642CBBBAB8}"/>
+              </a:ext>
+            </a:extLst>
+          </p:cNvPr>
+          <p:cNvSpPr/>
+          <p:nvPr/>
+        </p:nvSpPr>
+        <p:spPr>
+          <a:xfrm>
+            <a:off x="0" y="15702"/>
+            <a:ext cx="3633537" cy="646331"/>
+          </a:xfrm>
+          <a:prstGeom prst="rect">
+            <a:avLst/>
+          </a:prstGeom>
+          <a:noFill/>
+          <a:ln>
+            <a:noFill/>
+          </a:ln>
+        </p:spPr>
+        <p:txBody>
+          <a:bodyPr wrap="square" lIns="91440" tIns="45720" rIns="91440" bIns="45720">
+            <a:spAutoFit/>
+          </a:bodyPr>
+          <a:lstStyle/>
+          <a:p>
+            <a:pPr algn="ctr"/>
+            <a:r>
+              <a:rPr lang="en-US" altLang="zh-TW" sz="3600" b="1" dirty="0">
+                <a:ln w="12700" cmpd="sng">
+                  <a:noFill/>
+                  <a:prstDash val="solid"/>
+                </a:ln>
+                <a:solidFill>
+                  <a:schemeClr val="tx2">
+                    <a:lumMod val="75000"/>
+                  </a:schemeClr>
+                </a:solidFill>
+                <a:effectLst>
+                  <a:outerShdw blurRad="38100" dist="38100" dir="2700000" algn="tl">
+                    <a:srgbClr val="000000">
+                      <a:alpha val="43137"/>
+                    </a:srgbClr>
+                  </a:outerShdw>
+                </a:effectLst>
+              </a:rPr>
+              <a:t>Purchase Drivers</a:t>
+            </a:r>
+            <a:endParaRPr lang="zh-TW" altLang="en-US" sz="3600" b="1" dirty="0">
+              <a:ln w="12700" cmpd="sng">
+                <a:noFill/>
+                <a:prstDash val="solid"/>
+              </a:ln>
+              <a:solidFill>
+                <a:schemeClr val="tx2">
+                  <a:lumMod val="75000"/>
+                </a:schemeClr>
+              </a:solidFill>
+              <a:effectLst>
+                <a:outerShdw blurRad="38100" dist="38100" dir="2700000" algn="tl">
+                  <a:srgbClr val="000000">
+                    <a:alpha val="43137"/>
+                  </a:srgbClr>
+                </a:outerShdw>
+              </a:effectLst>
+            </a:endParaRPr>
+          </a:p>
+        </p:txBody>
+      </p:sp>
+      <p:sp>
+        <p:nvSpPr>
+          <p:cNvPr id="19" name="矩形 18">
+            <a:extLst>
+              <a:ext uri="{FF2B5EF4-FFF2-40B4-BE49-F238E27FC236}">
+                <a16:creationId xmlns:a16="http://schemas.microsoft.com/office/drawing/2014/main" id="{FDF92EE5-BFC2-C71B-C3EF-1ECDDADDB6B4}"/>
+              </a:ext>
+            </a:extLst>
+          </p:cNvPr>
+          <p:cNvSpPr/>
+          <p:nvPr/>
+        </p:nvSpPr>
+        <p:spPr>
+          <a:xfrm>
+            <a:off x="8987589" y="15702"/>
+            <a:ext cx="3204411" cy="646331"/>
+          </a:xfrm>
+          <a:prstGeom prst="rect">
+            <a:avLst/>
+          </a:prstGeom>
+          <a:noFill/>
+          <a:ln>
+            <a:noFill/>
+          </a:ln>
+          <a:effectLst>
+            <a:reflection blurRad="6350" stA="50000" endA="300" endPos="38500" dist="50800" dir="5400000" sy="-100000" algn="bl" rotWithShape="0"/>
+          </a:effectLst>
+        </p:spPr>
+        <p:txBody>
+          <a:bodyPr wrap="square" lIns="91440" tIns="45720" rIns="91440" bIns="45720">
+            <a:spAutoFit/>
+          </a:bodyPr>
+          <a:lstStyle/>
+          <a:p>
+            <a:pPr algn="ctr"/>
+            <a:r>
+              <a:rPr lang="en-US" altLang="zh-TW" sz="3600" b="1" dirty="0">
+                <a:ln w="0">
+                  <a:solidFill>
+                    <a:schemeClr val="tx2">
+                      <a:lumMod val="75000"/>
+                    </a:schemeClr>
+                  </a:solidFill>
+                </a:ln>
+                <a:solidFill>
+                  <a:schemeClr val="tx2">
+                    <a:lumMod val="60000"/>
+                    <a:lumOff val="40000"/>
+                  </a:schemeClr>
+                </a:solidFill>
+                <a:effectLst>
+                  <a:outerShdw blurRad="38100" dist="25400" dir="5400000" algn="ctr" rotWithShape="0">
+                    <a:srgbClr val="6E747A">
+                      <a:alpha val="43000"/>
+                    </a:srgbClr>
+                  </a:outerShdw>
+                  <a:reflection stA="45000" endPos="30000" dist="50800" dir="5400000" sy="-100000" algn="bl" rotWithShape="0"/>
+                </a:effectLst>
+              </a:rPr>
+              <a:t>Market  </a:t>
+            </a:r>
+            <a:r>
+              <a:rPr lang="en-US" altLang="zh-TW" sz="3600" b="1" dirty="0" err="1">
+                <a:ln w="0">
+                  <a:solidFill>
+                    <a:schemeClr val="tx2">
+                      <a:lumMod val="75000"/>
+                    </a:schemeClr>
+                  </a:solidFill>
+                </a:ln>
+                <a:solidFill>
+                  <a:schemeClr val="tx2">
+                    <a:lumMod val="60000"/>
+                    <a:lumOff val="40000"/>
+                  </a:schemeClr>
+                </a:solidFill>
+                <a:effectLst>
+                  <a:outerShdw blurRad="38100" dist="25400" dir="5400000" algn="ctr" rotWithShape="0">
+                    <a:srgbClr val="6E747A">
+                      <a:alpha val="43000"/>
+                    </a:srgbClr>
+                  </a:outerShdw>
+                  <a:reflection stA="45000" endPos="30000" dist="50800" dir="5400000" sy="-100000" algn="bl" rotWithShape="0"/>
+                </a:effectLst>
+              </a:rPr>
+              <a:t>Mindz</a:t>
+            </a:r>
+            <a:endParaRPr lang="zh-TW" altLang="en-US" sz="3600" b="1" dirty="0">
+              <a:ln w="0">
+                <a:solidFill>
+                  <a:schemeClr val="tx2">
+                    <a:lumMod val="75000"/>
+                  </a:schemeClr>
+                </a:solidFill>
+              </a:ln>
+              <a:solidFill>
+                <a:schemeClr val="tx2">
+                  <a:lumMod val="60000"/>
+                  <a:lumOff val="40000"/>
+                </a:schemeClr>
+              </a:solidFill>
+              <a:effectLst>
+                <a:outerShdw blurRad="38100" dist="25400" dir="5400000" algn="ctr" rotWithShape="0">
+                  <a:srgbClr val="6E747A">
+                    <a:alpha val="43000"/>
+                  </a:srgbClr>
+                </a:outerShdw>
+                <a:reflection stA="45000" endPos="30000" dist="50800" dir="5400000" sy="-100000" algn="bl" rotWithShape="0"/>
+              </a:effectLst>
+            </a:endParaRPr>
+          </a:p>
+        </p:txBody>
+      </p:sp>
+    </p:spTree>
+    <p:extLst>
+      <p:ext uri="{BB962C8B-B14F-4D97-AF65-F5344CB8AC3E}">
+        <p14:creationId xmlns:p14="http://schemas.microsoft.com/office/powerpoint/2010/main" val="3711307925"/>
+      </p:ext>
+    </p:extLst>
+  </p:cSld>
+  <p:clrMapOvr>
+    <a:masterClrMapping/>
+  </p:clrMapOvr>
+  <mc:AlternateContent xmlns:mc="http://schemas.openxmlformats.org/markup-compatibility/2006">
+    <mc:Choice xmlns:p14="http://schemas.microsoft.com/office/powerpoint/2010/main" Requires="p14">
+      <p:transition p14:dur="10"/>
+    </mc:Choice>
+    <mc:Fallback>
+      <p:transition/>
+    </mc:Fallback>
+  </mc:AlternateContent>
+</p:sld>
+</file>
+
+<file path=ppt/slides/slide4.xml><?xml version="1.0" encoding="utf-8"?>
+<p:sld xmlns:a="http://schemas.openxmlformats.org/drawingml/2006/main" xmlns:r="http://schemas.openxmlformats.org/officeDocument/2006/relationships" xmlns:p="http://schemas.openxmlformats.org/presentationml/2006/main">
+  <p:cSld>
+    <p:spTree>
+      <p:nvGrpSpPr>
+        <p:cNvPr id="1" name="">
+          <a:extLst>
+            <a:ext uri="{FF2B5EF4-FFF2-40B4-BE49-F238E27FC236}">
+              <a16:creationId xmlns:a16="http://schemas.microsoft.com/office/drawing/2014/main" id="{155414FF-1496-39BD-4EFB-5838A7FEB4C7}"/>
+            </a:ext>
+          </a:extLst>
+        </p:cNvPr>
+        <p:cNvGrpSpPr/>
+        <p:nvPr/>
+      </p:nvGrpSpPr>
+      <p:grpSpPr>
+        <a:xfrm>
+          <a:off x="0" y="0"/>
+          <a:ext cx="0" cy="0"/>
+          <a:chOff x="0" y="0"/>
+          <a:chExt cx="0" cy="0"/>
+        </a:xfrm>
+      </p:grpSpPr>
+      <p:sp>
+        <p:nvSpPr>
+          <p:cNvPr id="2" name="橢圓 1">
+            <a:extLst>
+              <a:ext uri="{FF2B5EF4-FFF2-40B4-BE49-F238E27FC236}">
+                <a16:creationId xmlns:a16="http://schemas.microsoft.com/office/drawing/2014/main" id="{EFAFBD9D-8B9E-2AF5-15F7-5678309AB4DB}"/>
+              </a:ext>
+            </a:extLst>
+          </p:cNvPr>
+          <p:cNvSpPr/>
+          <p:nvPr/>
+        </p:nvSpPr>
+        <p:spPr>
+          <a:xfrm>
+            <a:off x="2715895" y="2851785"/>
+            <a:ext cx="1154430" cy="1131570"/>
+          </a:xfrm>
+          <a:prstGeom prst="ellipse">
+            <a:avLst/>
+          </a:prstGeom>
+          <a:solidFill>
+            <a:schemeClr val="tx2"/>
+          </a:solidFill>
+          <a:ln>
+            <a:noFill/>
+          </a:ln>
+        </p:spPr>
+        <p:style>
+          <a:lnRef idx="2">
+            <a:schemeClr val="accent1">
+              <a:shade val="15000"/>
+            </a:schemeClr>
+          </a:lnRef>
+          <a:fillRef idx="1">
+            <a:schemeClr val="accent1"/>
+          </a:fillRef>
+          <a:effectRef idx="0">
+            <a:schemeClr val="accent1"/>
+          </a:effectRef>
+          <a:fontRef idx="minor">
+            <a:schemeClr val="lt1"/>
+          </a:fontRef>
+        </p:style>
+        <p:txBody>
+          <a:bodyPr rtlCol="0" anchor="ctr"/>
+          <a:lstStyle/>
+          <a:p>
+            <a:pPr algn="dist"/>
+            <a:endParaRPr lang="zh-TW" altLang="en-US"/>
+          </a:p>
+        </p:txBody>
+      </p:sp>
+      <p:sp>
+        <p:nvSpPr>
+          <p:cNvPr id="3" name="橢圓 2">
+            <a:extLst>
+              <a:ext uri="{FF2B5EF4-FFF2-40B4-BE49-F238E27FC236}">
+                <a16:creationId xmlns:a16="http://schemas.microsoft.com/office/drawing/2014/main" id="{99A3C21A-207D-B1AC-735C-FF9A90FE67AA}"/>
+              </a:ext>
+            </a:extLst>
+          </p:cNvPr>
+          <p:cNvSpPr/>
+          <p:nvPr/>
+        </p:nvSpPr>
+        <p:spPr>
+          <a:xfrm>
+            <a:off x="4345940" y="1257300"/>
+            <a:ext cx="1154430" cy="1131570"/>
+          </a:xfrm>
+          <a:prstGeom prst="ellipse">
+            <a:avLst/>
+          </a:prstGeom>
+          <a:ln>
+            <a:noFill/>
+          </a:ln>
+        </p:spPr>
+        <p:style>
+          <a:lnRef idx="2">
+            <a:schemeClr val="accent1">
+              <a:shade val="15000"/>
+            </a:schemeClr>
+          </a:lnRef>
+          <a:fillRef idx="1">
+            <a:schemeClr val="accent1"/>
+          </a:fillRef>
+          <a:effectRef idx="0">
+            <a:schemeClr val="accent1"/>
+          </a:effectRef>
+          <a:fontRef idx="minor">
+            <a:schemeClr val="lt1"/>
+          </a:fontRef>
+        </p:style>
+        <p:txBody>
+          <a:bodyPr rtlCol="0" anchor="ctr"/>
+          <a:lstStyle/>
+          <a:p>
+            <a:pPr algn="dist"/>
+            <a:endParaRPr lang="zh-TW" altLang="en-US"/>
+          </a:p>
+        </p:txBody>
+      </p:sp>
+      <p:sp>
+        <p:nvSpPr>
+          <p:cNvPr id="4" name="橢圓 3">
+            <a:extLst>
+              <a:ext uri="{FF2B5EF4-FFF2-40B4-BE49-F238E27FC236}">
+                <a16:creationId xmlns:a16="http://schemas.microsoft.com/office/drawing/2014/main" id="{BA99690A-594D-859D-908F-535EA2554B02}"/>
+              </a:ext>
+            </a:extLst>
+          </p:cNvPr>
+          <p:cNvSpPr/>
+          <p:nvPr/>
+        </p:nvSpPr>
+        <p:spPr>
+          <a:xfrm>
+            <a:off x="2699068" y="1257300"/>
+            <a:ext cx="1154430" cy="1131570"/>
+          </a:xfrm>
+          <a:prstGeom prst="ellipse">
+            <a:avLst/>
+          </a:prstGeom>
+          <a:solidFill>
+            <a:schemeClr val="accent2"/>
+          </a:solidFill>
+          <a:ln>
+            <a:noFill/>
+          </a:ln>
+        </p:spPr>
+        <p:style>
+          <a:lnRef idx="2">
+            <a:schemeClr val="accent1">
+              <a:shade val="15000"/>
+            </a:schemeClr>
+          </a:lnRef>
+          <a:fillRef idx="1">
+            <a:schemeClr val="accent1"/>
+          </a:fillRef>
+          <a:effectRef idx="0">
+            <a:schemeClr val="accent1"/>
+          </a:effectRef>
+          <a:fontRef idx="minor">
+            <a:schemeClr val="lt1"/>
+          </a:fontRef>
+        </p:style>
+        <p:txBody>
+          <a:bodyPr rtlCol="0" anchor="ctr"/>
+          <a:lstStyle/>
+          <a:p>
+            <a:pPr algn="dist"/>
+            <a:endParaRPr lang="zh-TW" altLang="en-US"/>
+          </a:p>
+        </p:txBody>
+      </p:sp>
+      <p:sp>
+        <p:nvSpPr>
+          <p:cNvPr id="5" name="橢圓 4">
+            <a:extLst>
+              <a:ext uri="{FF2B5EF4-FFF2-40B4-BE49-F238E27FC236}">
+                <a16:creationId xmlns:a16="http://schemas.microsoft.com/office/drawing/2014/main" id="{E963FE62-0055-C204-F697-83C37FA58063}"/>
+              </a:ext>
+            </a:extLst>
+          </p:cNvPr>
+          <p:cNvSpPr/>
+          <p:nvPr/>
+        </p:nvSpPr>
+        <p:spPr>
+          <a:xfrm>
+            <a:off x="5975985" y="1257300"/>
+            <a:ext cx="1154430" cy="1131570"/>
+          </a:xfrm>
+          <a:prstGeom prst="ellipse">
+            <a:avLst/>
+          </a:prstGeom>
+          <a:solidFill>
+            <a:schemeClr val="accent3"/>
+          </a:solidFill>
+          <a:ln>
+            <a:noFill/>
+          </a:ln>
+        </p:spPr>
+        <p:style>
+          <a:lnRef idx="2">
+            <a:schemeClr val="accent1">
+              <a:shade val="15000"/>
+            </a:schemeClr>
+          </a:lnRef>
+          <a:fillRef idx="1">
+            <a:schemeClr val="accent1"/>
+          </a:fillRef>
+          <a:effectRef idx="0">
+            <a:schemeClr val="accent1"/>
+          </a:effectRef>
+          <a:fontRef idx="minor">
+            <a:schemeClr val="lt1"/>
+          </a:fontRef>
+        </p:style>
+        <p:txBody>
+          <a:bodyPr rtlCol="0" anchor="ctr"/>
+          <a:lstStyle/>
+          <a:p>
+            <a:pPr algn="dist"/>
+            <a:endParaRPr lang="zh-TW" altLang="en-US"/>
+          </a:p>
+        </p:txBody>
+      </p:sp>
+      <p:sp>
+        <p:nvSpPr>
+          <p:cNvPr id="14" name="橢圓 13">
+            <a:extLst>
+              <a:ext uri="{FF2B5EF4-FFF2-40B4-BE49-F238E27FC236}">
+                <a16:creationId xmlns:a16="http://schemas.microsoft.com/office/drawing/2014/main" id="{7FA62642-3DD0-AF7A-1F3B-AB04838CB1C7}"/>
+              </a:ext>
+            </a:extLst>
+          </p:cNvPr>
+          <p:cNvSpPr/>
+          <p:nvPr/>
+        </p:nvSpPr>
+        <p:spPr>
+          <a:xfrm>
+            <a:off x="1085850" y="2851785"/>
+            <a:ext cx="1154430" cy="1131570"/>
+          </a:xfrm>
+          <a:prstGeom prst="ellipse">
+            <a:avLst/>
+          </a:prstGeom>
+          <a:solidFill>
+            <a:schemeClr val="accent4"/>
+          </a:solidFill>
+          <a:ln>
+            <a:noFill/>
+          </a:ln>
+        </p:spPr>
+        <p:style>
+          <a:lnRef idx="2">
+            <a:schemeClr val="accent1">
+              <a:shade val="15000"/>
+            </a:schemeClr>
+          </a:lnRef>
+          <a:fillRef idx="1">
+            <a:schemeClr val="accent1"/>
+          </a:fillRef>
+          <a:effectRef idx="0">
+            <a:schemeClr val="accent1"/>
+          </a:effectRef>
+          <a:fontRef idx="minor">
+            <a:schemeClr val="lt1"/>
+          </a:fontRef>
+        </p:style>
+        <p:txBody>
+          <a:bodyPr rtlCol="0" anchor="ctr"/>
+          <a:lstStyle/>
+          <a:p>
+            <a:pPr algn="dist"/>
+            <a:endParaRPr lang="zh-TW" altLang="en-US"/>
+          </a:p>
+        </p:txBody>
+      </p:sp>
+      <p:sp>
+        <p:nvSpPr>
+          <p:cNvPr id="15" name="橢圓 14">
+            <a:extLst>
+              <a:ext uri="{FF2B5EF4-FFF2-40B4-BE49-F238E27FC236}">
+                <a16:creationId xmlns:a16="http://schemas.microsoft.com/office/drawing/2014/main" id="{D26B410D-1702-7BAC-00D2-1681470BD50E}"/>
+              </a:ext>
+            </a:extLst>
+          </p:cNvPr>
+          <p:cNvSpPr/>
+          <p:nvPr/>
+        </p:nvSpPr>
+        <p:spPr>
+          <a:xfrm>
+            <a:off x="1085850" y="1257300"/>
+            <a:ext cx="1154430" cy="1131570"/>
+          </a:xfrm>
+          <a:prstGeom prst="ellipse">
+            <a:avLst/>
+          </a:prstGeom>
+          <a:solidFill>
+            <a:srgbClr val="CDF7D1"/>
+          </a:solidFill>
+          <a:ln>
+            <a:noFill/>
+          </a:ln>
+        </p:spPr>
+        <p:style>
+          <a:lnRef idx="2">
+            <a:schemeClr val="accent1">
+              <a:shade val="15000"/>
+            </a:schemeClr>
+          </a:lnRef>
+          <a:fillRef idx="1">
+            <a:schemeClr val="accent1"/>
+          </a:fillRef>
+          <a:effectRef idx="0">
+            <a:schemeClr val="accent1"/>
+          </a:effectRef>
+          <a:fontRef idx="minor">
+            <a:schemeClr val="lt1"/>
+          </a:fontRef>
+        </p:style>
+        <p:txBody>
+          <a:bodyPr rtlCol="0" anchor="ctr"/>
+          <a:lstStyle/>
+          <a:p>
+            <a:pPr algn="dist"/>
+            <a:endParaRPr lang="zh-TW" altLang="en-US"/>
+          </a:p>
+        </p:txBody>
+      </p:sp>
+      <p:sp>
+        <p:nvSpPr>
+          <p:cNvPr id="16" name="橢圓 15">
+            <a:extLst>
+              <a:ext uri="{FF2B5EF4-FFF2-40B4-BE49-F238E27FC236}">
+                <a16:creationId xmlns:a16="http://schemas.microsoft.com/office/drawing/2014/main" id="{BDC786AF-E77D-7B84-779C-94265335C5F5}"/>
+              </a:ext>
+            </a:extLst>
+          </p:cNvPr>
+          <p:cNvSpPr/>
+          <p:nvPr/>
+        </p:nvSpPr>
+        <p:spPr>
+          <a:xfrm>
+            <a:off x="4345940" y="2851785"/>
+            <a:ext cx="1154430" cy="1131570"/>
+          </a:xfrm>
+          <a:prstGeom prst="ellipse">
+            <a:avLst/>
+          </a:prstGeom>
+          <a:solidFill>
+            <a:schemeClr val="accent6"/>
+          </a:solidFill>
+          <a:ln>
+            <a:noFill/>
+          </a:ln>
+        </p:spPr>
+        <p:style>
+          <a:lnRef idx="2">
+            <a:schemeClr val="accent1">
+              <a:shade val="15000"/>
+            </a:schemeClr>
+          </a:lnRef>
+          <a:fillRef idx="1">
+            <a:schemeClr val="accent1"/>
+          </a:fillRef>
+          <a:effectRef idx="0">
+            <a:schemeClr val="accent1"/>
+          </a:effectRef>
+          <a:fontRef idx="minor">
+            <a:schemeClr val="lt1"/>
+          </a:fontRef>
+        </p:style>
+        <p:txBody>
+          <a:bodyPr rtlCol="0" anchor="ctr"/>
+          <a:lstStyle/>
+          <a:p>
+            <a:pPr algn="dist"/>
+            <a:endParaRPr lang="zh-TW" altLang="en-US"/>
+          </a:p>
+        </p:txBody>
+      </p:sp>
+      <p:sp>
+        <p:nvSpPr>
+          <p:cNvPr id="17" name="橢圓 16">
+            <a:extLst>
+              <a:ext uri="{FF2B5EF4-FFF2-40B4-BE49-F238E27FC236}">
+                <a16:creationId xmlns:a16="http://schemas.microsoft.com/office/drawing/2014/main" id="{E6D4692E-DBC2-3040-4E09-29BD345CA5BF}"/>
+              </a:ext>
+            </a:extLst>
+          </p:cNvPr>
+          <p:cNvSpPr/>
+          <p:nvPr/>
+        </p:nvSpPr>
+        <p:spPr>
+          <a:xfrm>
+            <a:off x="5975985" y="2851785"/>
+            <a:ext cx="1154430" cy="1131570"/>
+          </a:xfrm>
+          <a:prstGeom prst="ellipse">
+            <a:avLst/>
+          </a:prstGeom>
+          <a:solidFill>
+            <a:schemeClr val="accent5"/>
+          </a:solidFill>
+          <a:ln>
+            <a:noFill/>
+          </a:ln>
+        </p:spPr>
+        <p:style>
+          <a:lnRef idx="2">
+            <a:schemeClr val="accent1">
+              <a:shade val="15000"/>
+            </a:schemeClr>
+          </a:lnRef>
+          <a:fillRef idx="1">
+            <a:schemeClr val="accent1"/>
+          </a:fillRef>
+          <a:effectRef idx="0">
+            <a:schemeClr val="accent1"/>
+          </a:effectRef>
+          <a:fontRef idx="minor">
+            <a:schemeClr val="lt1"/>
+          </a:fontRef>
+        </p:style>
+        <p:txBody>
+          <a:bodyPr rtlCol="0" anchor="ctr"/>
+          <a:lstStyle/>
+          <a:p>
+            <a:pPr algn="dist"/>
+            <a:endParaRPr lang="zh-TW" altLang="en-US"/>
+          </a:p>
+        </p:txBody>
+      </p:sp>
+    </p:spTree>
+    <p:extLst>
+      <p:ext uri="{BB962C8B-B14F-4D97-AF65-F5344CB8AC3E}">
+        <p14:creationId xmlns:p14="http://schemas.microsoft.com/office/powerpoint/2010/main" val="3068497334"/>
+      </p:ext>
+    </p:extLst>
+  </p:cSld>
+  <p:clrMapOvr>
+    <a:masterClrMapping/>
+  </p:clrMapOvr>
+</p:sld>
+</file>
+
+<file path=ppt/slides/slide5.xml><?xml version="1.0" encoding="utf-8"?>
+<p:sld xmlns:a="http://schemas.openxmlformats.org/drawingml/2006/main" xmlns:r="http://schemas.openxmlformats.org/officeDocument/2006/relationships" xmlns:p="http://schemas.openxmlformats.org/presentationml/2006/main">
+  <p:cSld>
+    <p:spTree>
+      <p:nvGrpSpPr>
+        <p:cNvPr id="1" name="">
+          <a:extLst>
+            <a:ext uri="{FF2B5EF4-FFF2-40B4-BE49-F238E27FC236}">
+              <a16:creationId xmlns:a16="http://schemas.microsoft.com/office/drawing/2014/main" id="{EDA10E98-624C-6F57-42A1-09273D5074D9}"/>
+            </a:ext>
+          </a:extLst>
+        </p:cNvPr>
+        <p:cNvGrpSpPr/>
+        <p:nvPr/>
+      </p:nvGrpSpPr>
+      <p:grpSpPr>
+        <a:xfrm>
+          <a:off x="0" y="0"/>
+          <a:ext cx="0" cy="0"/>
+          <a:chOff x="0" y="0"/>
+          <a:chExt cx="0" cy="0"/>
+        </a:xfrm>
+      </p:grpSpPr>
+    </p:spTree>
+    <p:extLst>
+      <p:ext uri="{BB962C8B-B14F-4D97-AF65-F5344CB8AC3E}">
+        <p14:creationId xmlns:p14="http://schemas.microsoft.com/office/powerpoint/2010/main" val="1097729299"/>
+      </p:ext>
+    </p:extLst>
+  </p:cSld>
+  <p:clrMapOvr>
+    <a:masterClrMapping/>
+  </p:clrMapOvr>
+</p:sld>
+</file>
+
+<file path=ppt/slides/slide6.xml><?xml version="1.0" encoding="utf-8"?>
+<p:sld xmlns:a="http://schemas.openxmlformats.org/drawingml/2006/main" xmlns:r="http://schemas.openxmlformats.org/officeDocument/2006/relationships" xmlns:p="http://schemas.openxmlformats.org/presentationml/2006/main">
+  <p:cSld>
+    <p:spTree>
+      <p:nvGrpSpPr>
+        <p:cNvPr id="1" name="">
+          <a:extLst>
+            <a:ext uri="{FF2B5EF4-FFF2-40B4-BE49-F238E27FC236}">
+              <a16:creationId xmlns:a16="http://schemas.microsoft.com/office/drawing/2014/main" id="{01FF1121-6F31-FD2A-C029-219FF728A74E}"/>
+            </a:ext>
+          </a:extLst>
+        </p:cNvPr>
+        <p:cNvGrpSpPr/>
+        <p:nvPr/>
+      </p:nvGrpSpPr>
+      <p:grpSpPr>
+        <a:xfrm>
+          <a:off x="0" y="0"/>
+          <a:ext cx="0" cy="0"/>
+          <a:chOff x="0" y="0"/>
+          <a:chExt cx="0" cy="0"/>
+        </a:xfrm>
+      </p:grpSpPr>
+      <p:sp>
+        <p:nvSpPr>
+          <p:cNvPr id="2" name="橢圓 1">
+            <a:extLst>
+              <a:ext uri="{FF2B5EF4-FFF2-40B4-BE49-F238E27FC236}">
+                <a16:creationId xmlns:a16="http://schemas.microsoft.com/office/drawing/2014/main" id="{FC1D000D-4B5B-C7D1-FAB3-A645CF6C338A}"/>
+              </a:ext>
+            </a:extLst>
+          </p:cNvPr>
+          <p:cNvSpPr/>
+          <p:nvPr/>
+        </p:nvSpPr>
+        <p:spPr>
+          <a:xfrm>
+            <a:off x="2715895" y="2851785"/>
+            <a:ext cx="1154430" cy="1131570"/>
+          </a:xfrm>
+          <a:prstGeom prst="ellipse">
+            <a:avLst/>
+          </a:prstGeom>
+          <a:solidFill>
+            <a:schemeClr val="tx2"/>
+          </a:solidFill>
+          <a:ln>
+            <a:noFill/>
+          </a:ln>
+        </p:spPr>
+        <p:style>
+          <a:lnRef idx="2">
+            <a:schemeClr val="accent1">
+              <a:shade val="15000"/>
+            </a:schemeClr>
+          </a:lnRef>
+          <a:fillRef idx="1">
+            <a:schemeClr val="accent1"/>
+          </a:fillRef>
+          <a:effectRef idx="0">
+            <a:schemeClr val="accent1"/>
+          </a:effectRef>
+          <a:fontRef idx="minor">
+            <a:schemeClr val="lt1"/>
+          </a:fontRef>
+        </p:style>
+        <p:txBody>
+          <a:bodyPr rtlCol="0" anchor="ctr"/>
+          <a:lstStyle/>
+          <a:p>
+            <a:pPr algn="dist"/>
+            <a:endParaRPr lang="zh-TW" altLang="en-US"/>
+          </a:p>
+        </p:txBody>
+      </p:sp>
+      <p:sp>
+        <p:nvSpPr>
+          <p:cNvPr id="3" name="橢圓 2">
+            <a:extLst>
+              <a:ext uri="{FF2B5EF4-FFF2-40B4-BE49-F238E27FC236}">
+                <a16:creationId xmlns:a16="http://schemas.microsoft.com/office/drawing/2014/main" id="{20596E86-A8A3-85CA-1BB6-8E4A778D4C72}"/>
+              </a:ext>
+            </a:extLst>
+          </p:cNvPr>
+          <p:cNvSpPr/>
+          <p:nvPr/>
+        </p:nvSpPr>
+        <p:spPr>
+          <a:xfrm>
+            <a:off x="4345940" y="1257300"/>
+            <a:ext cx="1154430" cy="1131570"/>
+          </a:xfrm>
+          <a:prstGeom prst="ellipse">
+            <a:avLst/>
+          </a:prstGeom>
+          <a:ln>
+            <a:noFill/>
+          </a:ln>
+        </p:spPr>
+        <p:style>
+          <a:lnRef idx="2">
+            <a:schemeClr val="accent1">
+              <a:shade val="15000"/>
+            </a:schemeClr>
+          </a:lnRef>
+          <a:fillRef idx="1">
+            <a:schemeClr val="accent1"/>
+          </a:fillRef>
+          <a:effectRef idx="0">
+            <a:schemeClr val="accent1"/>
+          </a:effectRef>
+          <a:fontRef idx="minor">
+            <a:schemeClr val="lt1"/>
+          </a:fontRef>
+        </p:style>
+        <p:txBody>
+          <a:bodyPr rtlCol="0" anchor="ctr"/>
+          <a:lstStyle/>
+          <a:p>
+            <a:pPr algn="dist"/>
+            <a:endParaRPr lang="zh-TW" altLang="en-US"/>
+          </a:p>
+        </p:txBody>
+      </p:sp>
+      <p:sp>
+        <p:nvSpPr>
+          <p:cNvPr id="4" name="橢圓 3">
+            <a:extLst>
+              <a:ext uri="{FF2B5EF4-FFF2-40B4-BE49-F238E27FC236}">
+                <a16:creationId xmlns:a16="http://schemas.microsoft.com/office/drawing/2014/main" id="{7DD97DE9-08DD-E9A6-4F50-5CBE7F1A6B61}"/>
+              </a:ext>
+            </a:extLst>
+          </p:cNvPr>
+          <p:cNvSpPr/>
+          <p:nvPr/>
+        </p:nvSpPr>
+        <p:spPr>
+          <a:xfrm>
+            <a:off x="2699068" y="1257300"/>
+            <a:ext cx="1154430" cy="1131570"/>
+          </a:xfrm>
+          <a:prstGeom prst="ellipse">
+            <a:avLst/>
+          </a:prstGeom>
+          <a:solidFill>
+            <a:schemeClr val="accent2"/>
+          </a:solidFill>
+          <a:ln>
+            <a:noFill/>
+          </a:ln>
+        </p:spPr>
+        <p:style>
+          <a:lnRef idx="2">
+            <a:schemeClr val="accent1">
+              <a:shade val="15000"/>
+            </a:schemeClr>
+          </a:lnRef>
+          <a:fillRef idx="1">
+            <a:schemeClr val="accent1"/>
+          </a:fillRef>
+          <a:effectRef idx="0">
+            <a:schemeClr val="accent1"/>
+          </a:effectRef>
+          <a:fontRef idx="minor">
+            <a:schemeClr val="lt1"/>
+          </a:fontRef>
+        </p:style>
+        <p:txBody>
+          <a:bodyPr rtlCol="0" anchor="ctr"/>
+          <a:lstStyle/>
+          <a:p>
+            <a:pPr algn="dist"/>
+            <a:endParaRPr lang="zh-TW" altLang="en-US"/>
+          </a:p>
+        </p:txBody>
+      </p:sp>
+      <p:sp>
+        <p:nvSpPr>
+          <p:cNvPr id="5" name="橢圓 4">
+            <a:extLst>
+              <a:ext uri="{FF2B5EF4-FFF2-40B4-BE49-F238E27FC236}">
+                <a16:creationId xmlns:a16="http://schemas.microsoft.com/office/drawing/2014/main" id="{9F97930A-9CC7-E90D-F08C-1C1C9F7BF0B7}"/>
+              </a:ext>
+            </a:extLst>
+          </p:cNvPr>
+          <p:cNvSpPr/>
+          <p:nvPr/>
+        </p:nvSpPr>
+        <p:spPr>
+          <a:xfrm>
+            <a:off x="5975985" y="1257300"/>
+            <a:ext cx="1154430" cy="1131570"/>
+          </a:xfrm>
+          <a:prstGeom prst="ellipse">
+            <a:avLst/>
+          </a:prstGeom>
+          <a:solidFill>
+            <a:schemeClr val="accent3"/>
+          </a:solidFill>
+          <a:ln>
+            <a:noFill/>
+          </a:ln>
+        </p:spPr>
+        <p:style>
+          <a:lnRef idx="2">
+            <a:schemeClr val="accent1">
+              <a:shade val="15000"/>
+            </a:schemeClr>
+          </a:lnRef>
+          <a:fillRef idx="1">
+            <a:schemeClr val="accent1"/>
+          </a:fillRef>
+          <a:effectRef idx="0">
+            <a:schemeClr val="accent1"/>
+          </a:effectRef>
+          <a:fontRef idx="minor">
+            <a:schemeClr val="lt1"/>
+          </a:fontRef>
+        </p:style>
+        <p:txBody>
+          <a:bodyPr rtlCol="0" anchor="ctr"/>
+          <a:lstStyle/>
+          <a:p>
+            <a:pPr algn="dist"/>
+            <a:endParaRPr lang="zh-TW" altLang="en-US"/>
+          </a:p>
+        </p:txBody>
+      </p:sp>
+      <p:sp>
+        <p:nvSpPr>
+          <p:cNvPr id="14" name="橢圓 13">
+            <a:extLst>
+              <a:ext uri="{FF2B5EF4-FFF2-40B4-BE49-F238E27FC236}">
+                <a16:creationId xmlns:a16="http://schemas.microsoft.com/office/drawing/2014/main" id="{C0999D7D-ACF8-8282-9F87-989358A685EE}"/>
+              </a:ext>
+            </a:extLst>
+          </p:cNvPr>
+          <p:cNvSpPr/>
+          <p:nvPr/>
+        </p:nvSpPr>
+        <p:spPr>
+          <a:xfrm>
+            <a:off x="1085850" y="2851785"/>
+            <a:ext cx="1154430" cy="1131570"/>
+          </a:xfrm>
+          <a:prstGeom prst="ellipse">
+            <a:avLst/>
+          </a:prstGeom>
+          <a:solidFill>
+            <a:schemeClr val="accent4"/>
+          </a:solidFill>
+          <a:ln>
+            <a:noFill/>
+          </a:ln>
+        </p:spPr>
+        <p:style>
+          <a:lnRef idx="2">
+            <a:schemeClr val="accent1">
+              <a:shade val="15000"/>
+            </a:schemeClr>
+          </a:lnRef>
+          <a:fillRef idx="1">
+            <a:schemeClr val="accent1"/>
+          </a:fillRef>
+          <a:effectRef idx="0">
+            <a:schemeClr val="accent1"/>
+          </a:effectRef>
+          <a:fontRef idx="minor">
+            <a:schemeClr val="lt1"/>
+          </a:fontRef>
+        </p:style>
+        <p:txBody>
+          <a:bodyPr rtlCol="0" anchor="ctr"/>
+          <a:lstStyle/>
+          <a:p>
+            <a:pPr algn="dist"/>
+            <a:endParaRPr lang="zh-TW" altLang="en-US"/>
+          </a:p>
+        </p:txBody>
+      </p:sp>
+      <p:sp>
+        <p:nvSpPr>
+          <p:cNvPr id="15" name="橢圓 14">
+            <a:extLst>
+              <a:ext uri="{FF2B5EF4-FFF2-40B4-BE49-F238E27FC236}">
+                <a16:creationId xmlns:a16="http://schemas.microsoft.com/office/drawing/2014/main" id="{99B71450-65B5-3A3F-4F5B-A1DE56D4D337}"/>
+              </a:ext>
+            </a:extLst>
+          </p:cNvPr>
+          <p:cNvSpPr/>
+          <p:nvPr/>
+        </p:nvSpPr>
+        <p:spPr>
+          <a:xfrm>
+            <a:off x="1085850" y="1257300"/>
+            <a:ext cx="1154430" cy="1131570"/>
+          </a:xfrm>
+          <a:prstGeom prst="ellipse">
+            <a:avLst/>
+          </a:prstGeom>
+          <a:solidFill>
+            <a:srgbClr val="CDF7D1"/>
+          </a:solidFill>
+          <a:ln>
+            <a:noFill/>
+          </a:ln>
+        </p:spPr>
+        <p:style>
+          <a:lnRef idx="2">
+            <a:schemeClr val="accent1">
+              <a:shade val="15000"/>
+            </a:schemeClr>
+          </a:lnRef>
+          <a:fillRef idx="1">
+            <a:schemeClr val="accent1"/>
+          </a:fillRef>
+          <a:effectRef idx="0">
+            <a:schemeClr val="accent1"/>
+          </a:effectRef>
+          <a:fontRef idx="minor">
+            <a:schemeClr val="lt1"/>
+          </a:fontRef>
+        </p:style>
+        <p:txBody>
+          <a:bodyPr rtlCol="0" anchor="ctr"/>
+          <a:lstStyle/>
+          <a:p>
+            <a:pPr algn="dist"/>
+            <a:endParaRPr lang="zh-TW" altLang="en-US"/>
+          </a:p>
+        </p:txBody>
+      </p:sp>
+      <p:sp>
+        <p:nvSpPr>
+          <p:cNvPr id="16" name="橢圓 15">
+            <a:extLst>
+              <a:ext uri="{FF2B5EF4-FFF2-40B4-BE49-F238E27FC236}">
+                <a16:creationId xmlns:a16="http://schemas.microsoft.com/office/drawing/2014/main" id="{D0A904EB-7E59-24E9-8EAB-13EF7D6E125A}"/>
+              </a:ext>
+            </a:extLst>
+          </p:cNvPr>
+          <p:cNvSpPr/>
+          <p:nvPr/>
+        </p:nvSpPr>
+        <p:spPr>
+          <a:xfrm>
+            <a:off x="4345940" y="2851785"/>
+            <a:ext cx="1154430" cy="1131570"/>
+          </a:xfrm>
+          <a:prstGeom prst="ellipse">
+            <a:avLst/>
+          </a:prstGeom>
+          <a:solidFill>
+            <a:schemeClr val="accent6"/>
+          </a:solidFill>
+          <a:ln>
+            <a:noFill/>
+          </a:ln>
+        </p:spPr>
+        <p:style>
+          <a:lnRef idx="2">
+            <a:schemeClr val="accent1">
+              <a:shade val="15000"/>
+            </a:schemeClr>
+          </a:lnRef>
+          <a:fillRef idx="1">
+            <a:schemeClr val="accent1"/>
+          </a:fillRef>
+          <a:effectRef idx="0">
+            <a:schemeClr val="accent1"/>
+          </a:effectRef>
+          <a:fontRef idx="minor">
+            <a:schemeClr val="lt1"/>
+          </a:fontRef>
+        </p:style>
+        <p:txBody>
+          <a:bodyPr rtlCol="0" anchor="ctr"/>
+          <a:lstStyle/>
+          <a:p>
+            <a:pPr algn="dist"/>
+            <a:endParaRPr lang="zh-TW" altLang="en-US"/>
+          </a:p>
+        </p:txBody>
+      </p:sp>
+      <p:sp>
+        <p:nvSpPr>
+          <p:cNvPr id="17" name="橢圓 16">
+            <a:extLst>
+              <a:ext uri="{FF2B5EF4-FFF2-40B4-BE49-F238E27FC236}">
+                <a16:creationId xmlns:a16="http://schemas.microsoft.com/office/drawing/2014/main" id="{19DE4074-7C9D-B5B7-F929-30C04B421B0F}"/>
+              </a:ext>
+            </a:extLst>
+          </p:cNvPr>
+          <p:cNvSpPr/>
+          <p:nvPr/>
+        </p:nvSpPr>
+        <p:spPr>
+          <a:xfrm>
+            <a:off x="5975985" y="2851785"/>
+            <a:ext cx="1154430" cy="1131570"/>
+          </a:xfrm>
+          <a:prstGeom prst="ellipse">
+            <a:avLst/>
+          </a:prstGeom>
+          <a:solidFill>
+            <a:schemeClr val="accent5"/>
+          </a:solidFill>
+          <a:ln>
+            <a:noFill/>
+          </a:ln>
+        </p:spPr>
+        <p:style>
+          <a:lnRef idx="2">
+            <a:schemeClr val="accent1">
+              <a:shade val="15000"/>
+            </a:schemeClr>
+          </a:lnRef>
+          <a:fillRef idx="1">
+            <a:schemeClr val="accent1"/>
+          </a:fillRef>
+          <a:effectRef idx="0">
+            <a:schemeClr val="accent1"/>
+          </a:effectRef>
+          <a:fontRef idx="minor">
+            <a:schemeClr val="lt1"/>
+          </a:fontRef>
+        </p:style>
+        <p:txBody>
+          <a:bodyPr rtlCol="0" anchor="ctr"/>
+          <a:lstStyle/>
+          <a:p>
+            <a:pPr algn="dist"/>
+            <a:endParaRPr lang="zh-TW" altLang="en-US"/>
+          </a:p>
+        </p:txBody>
+      </p:sp>
+    </p:spTree>
+    <p:extLst>
+      <p:ext uri="{BB962C8B-B14F-4D97-AF65-F5344CB8AC3E}">
+        <p14:creationId xmlns:p14="http://schemas.microsoft.com/office/powerpoint/2010/main" val="3596012555"/>
       </p:ext>
     </p:extLst>
   </p:cSld>
@@ -3337,7 +5008,7 @@
 <file path=ppt/theme/theme1.xml><?xml version="1.0" encoding="utf-8"?>
 <a:theme xmlns:a="http://schemas.openxmlformats.org/drawingml/2006/main" name="Office 佈景主題">
   <a:themeElements>
-    <a:clrScheme name="Office">
+    <a:clrScheme name="Office 佈景主題">
       <a:dk1>
         <a:sysClr val="windowText" lastClr="000000"/>
       </a:dk1>
@@ -3351,22 +5022,22 @@
         <a:srgbClr val="E7E6E6"/>
       </a:lt2>
       <a:accent1>
-        <a:srgbClr val="4472C4"/>
+        <a:srgbClr val="1D9A78"/>
       </a:accent1>
       <a:accent2>
-        <a:srgbClr val="ED7D31"/>
+        <a:srgbClr val="8BC145"/>
       </a:accent2>
       <a:accent3>
-        <a:srgbClr val="A5A5A5"/>
+        <a:srgbClr val="36AFCE"/>
       </a:accent3>
       <a:accent4>
-        <a:srgbClr val="FFC000"/>
+        <a:srgbClr val="1D6FA9"/>
       </a:accent4>
       <a:accent5>
-        <a:srgbClr val="5B9BD5"/>
+        <a:srgbClr val="B74919"/>
       </a:accent5>
       <a:accent6>
-        <a:srgbClr val="70AD47"/>
+        <a:srgbClr val="F19D19"/>
       </a:accent6>
       <a:hlink>
         <a:srgbClr val="0563C1"/>
@@ -3375,7 +5046,7 @@
         <a:srgbClr val="954F72"/>
       </a:folHlink>
     </a:clrScheme>
-    <a:fontScheme name="Office">
+    <a:fontScheme name="Office 佈景主題">
       <a:majorFont>
         <a:latin typeface="Calibri Light" panose="020F0302020204030204"/>
         <a:ea typeface=""/>
@@ -3410,23 +5081,6 @@
         <a:font script="Viet" typeface="Times New Roman"/>
         <a:font script="Uigh" typeface="Microsoft Uighur"/>
         <a:font script="Geor" typeface="Sylfaen"/>
-        <a:font script="Armn" typeface="Arial"/>
-        <a:font script="Bugi" typeface="Leelawadee UI"/>
-        <a:font script="Bopo" typeface="Microsoft JhengHei"/>
-        <a:font script="Java" typeface="Javanese Text"/>
-        <a:font script="Lisu" typeface="Segoe UI"/>
-        <a:font script="Mymr" typeface="Myanmar Text"/>
-        <a:font script="Nkoo" typeface="Ebrima"/>
-        <a:font script="Olck" typeface="Nirmala UI"/>
-        <a:font script="Osma" typeface="Ebrima"/>
-        <a:font script="Phag" typeface="Phagspa"/>
-        <a:font script="Syrn" typeface="Estrangelo Edessa"/>
-        <a:font script="Syrj" typeface="Estrangelo Edessa"/>
-        <a:font script="Syre" typeface="Estrangelo Edessa"/>
-        <a:font script="Sora" typeface="Nirmala UI"/>
-        <a:font script="Tale" typeface="Microsoft Tai Le"/>
-        <a:font script="Talu" typeface="Microsoft New Tai Lue"/>
-        <a:font script="Tfng" typeface="Ebrima"/>
       </a:majorFont>
       <a:minorFont>
         <a:latin typeface="Calibri" panose="020F0502020204030204"/>
@@ -3462,26 +5116,9 @@
         <a:font script="Viet" typeface="Arial"/>
         <a:font script="Uigh" typeface="Microsoft Uighur"/>
         <a:font script="Geor" typeface="Sylfaen"/>
-        <a:font script="Armn" typeface="Arial"/>
-        <a:font script="Bugi" typeface="Leelawadee UI"/>
-        <a:font script="Bopo" typeface="Microsoft JhengHei"/>
-        <a:font script="Java" typeface="Javanese Text"/>
-        <a:font script="Lisu" typeface="Segoe UI"/>
-        <a:font script="Mymr" typeface="Myanmar Text"/>
-        <a:font script="Nkoo" typeface="Ebrima"/>
-        <a:font script="Olck" typeface="Nirmala UI"/>
-        <a:font script="Osma" typeface="Ebrima"/>
-        <a:font script="Phag" typeface="Phagspa"/>
-        <a:font script="Syrn" typeface="Estrangelo Edessa"/>
-        <a:font script="Syrj" typeface="Estrangelo Edessa"/>
-        <a:font script="Syre" typeface="Estrangelo Edessa"/>
-        <a:font script="Sora" typeface="Nirmala UI"/>
-        <a:font script="Tale" typeface="Microsoft Tai Le"/>
-        <a:font script="Talu" typeface="Microsoft New Tai Lue"/>
-        <a:font script="Tfng" typeface="Ebrima"/>
       </a:minorFont>
     </a:fontScheme>
-    <a:fmtScheme name="Office">
+    <a:fmtScheme name="Office 佈景主題">
       <a:fillStyleLst>
         <a:solidFill>
           <a:schemeClr val="phClr"/>
@@ -3623,7 +5260,7 @@
   <a:extraClrSchemeLst/>
   <a:extLst>
     <a:ext uri="{05A4C25C-085E-4340-85A3-A5531E510DB2}">
-      <thm15:themeFamily xmlns:thm15="http://schemas.microsoft.com/office/thememl/2012/main" name="Office Theme" id="{62F939B6-93AF-4DB8-9C6B-D6C7DFDC589F}" vid="{4A3C46E8-61CC-4603-A589-7422A47A8E4A}"/>
+      <thm15:themeFamily xmlns:thm15="http://schemas.microsoft.com/office/thememl/2012/main" name="Office 2013 - 2022 Theme" id="{62F939B6-93AF-4DB8-9C6B-D6C7DFDC589F}" vid="{AE6F2518-B084-4896-AF52-66CC2144AA26}"/>
     </a:ext>
   </a:extLst>
 </a:theme>

--- a/MarketMinds/marketmindz_background.pptx
+++ b/MarketMinds/marketmindz_background.pptx
@@ -4399,7 +4399,7 @@
           <a:lstStyle/>
           <a:p>
             <a:pPr algn="dist"/>
-            <a:endParaRPr lang="zh-TW" altLang="en-US"/>
+            <a:endParaRPr lang="zh-TW" altLang="en-US" dirty="0"/>
           </a:p>
         </p:txBody>
       </p:sp>
